--- a/utilities/presentazioni/Presentazione1.pptx
+++ b/utilities/presentazioni/Presentazione1.pptx
@@ -6,34 +6,36 @@
   </p:sldMasterIdLst>
   <p:sldIdLst>
     <p:sldId id="256" r:id="rId2"/>
-    <p:sldId id="269" r:id="rId3"/>
-    <p:sldId id="257" r:id="rId4"/>
-    <p:sldId id="258" r:id="rId5"/>
-    <p:sldId id="259" r:id="rId6"/>
-    <p:sldId id="260" r:id="rId7"/>
-    <p:sldId id="261" r:id="rId8"/>
-    <p:sldId id="262" r:id="rId9"/>
-    <p:sldId id="263" r:id="rId10"/>
-    <p:sldId id="264" r:id="rId11"/>
-    <p:sldId id="265" r:id="rId12"/>
-    <p:sldId id="266" r:id="rId13"/>
-    <p:sldId id="267" r:id="rId14"/>
-    <p:sldId id="268" r:id="rId15"/>
+    <p:sldId id="270" r:id="rId3"/>
+    <p:sldId id="269" r:id="rId4"/>
+    <p:sldId id="257" r:id="rId5"/>
+    <p:sldId id="258" r:id="rId6"/>
+    <p:sldId id="259" r:id="rId7"/>
+    <p:sldId id="260" r:id="rId8"/>
+    <p:sldId id="261" r:id="rId9"/>
+    <p:sldId id="262" r:id="rId10"/>
+    <p:sldId id="263" r:id="rId11"/>
+    <p:sldId id="264" r:id="rId12"/>
+    <p:sldId id="265" r:id="rId13"/>
+    <p:sldId id="266" r:id="rId14"/>
+    <p:sldId id="267" r:id="rId15"/>
+    <p:sldId id="268" r:id="rId16"/>
   </p:sldIdLst>
   <p:sldSz cx="18288000" cy="10287000"/>
   <p:notesSz cx="6858000" cy="9144000"/>
   <p:embeddedFontLst>
     <p:embeddedFont>
       <p:font typeface="Fredoka" panose="020B0604020202020204" charset="0"/>
-      <p:regular r:id="rId16"/>
+      <p:regular r:id="rId17"/>
     </p:embeddedFont>
     <p:embeddedFont>
       <p:font typeface="Nunito" pitchFamily="2" charset="0"/>
-      <p:regular r:id="rId17"/>
+      <p:regular r:id="rId18"/>
+      <p:bold r:id="rId19"/>
     </p:embeddedFont>
     <p:embeddedFont>
       <p:font typeface="Nunito Bold" charset="0"/>
-      <p:regular r:id="rId18"/>
+      <p:regular r:id="rId20"/>
     </p:embeddedFont>
   </p:embeddedFontLst>
   <p:defaultTextStyle>
@@ -3296,7 +3298,7 @@
         </p:nvSpPr>
         <p:spPr>
           <a:xfrm>
-            <a:off x="2116949" y="1896628"/>
+            <a:off x="1091562" y="2030656"/>
             <a:ext cx="2942276" cy="2942276"/>
           </a:xfrm>
           <a:custGeom>
@@ -3348,7 +3350,7 @@
         </p:nvSpPr>
         <p:spPr>
           <a:xfrm>
-            <a:off x="12399945" y="6010601"/>
+            <a:off x="12399945" y="6643233"/>
             <a:ext cx="3395204" cy="1049427"/>
           </a:xfrm>
           <a:custGeom>
@@ -3400,8 +3402,8 @@
         </p:nvSpPr>
         <p:spPr>
           <a:xfrm>
-            <a:off x="1668631" y="2924194"/>
-            <a:ext cx="14950738" cy="1793183"/>
+            <a:off x="1668630" y="2620597"/>
+            <a:ext cx="14950738" cy="3046988"/>
           </a:xfrm>
           <a:prstGeom prst="rect">
             <a:avLst/>
@@ -3413,23 +3415,34 @@
           </a:bodyPr>
           <a:lstStyle/>
           <a:p>
-            <a:pPr algn="ctr">
-              <a:lnSpc>
-                <a:spcPts val="14620"/>
-              </a:lnSpc>
-            </a:pPr>
-            <a:r>
-              <a:rPr lang="en-US" sz="10443">
-                <a:solidFill>
-                  <a:srgbClr val="000000"/>
-                </a:solidFill>
-                <a:latin typeface="Fredoka"/>
-                <a:ea typeface="Fredoka"/>
-                <a:cs typeface="Fredoka"/>
-                <a:sym typeface="Fredoka"/>
-              </a:rPr>
-              <a:t>THESIS DEFENSE</a:t>
-            </a:r>
+            <a:pPr algn="ctr"/>
+            <a:r>
+              <a:rPr lang="it-IT" sz="6600" dirty="0">
+                <a:latin typeface="Fredoka" panose="020B0604020202020204" charset="0"/>
+              </a:rPr>
+              <a:t>Sicurezza delle </a:t>
+            </a:r>
+            <a:r>
+              <a:rPr lang="it-IT" sz="6600" dirty="0" err="1">
+                <a:latin typeface="Fredoka" panose="020B0604020202020204" charset="0"/>
+              </a:rPr>
+              <a:t>eSIM</a:t>
+            </a:r>
+            <a:r>
+              <a:rPr lang="it-IT" sz="6600" dirty="0">
+                <a:latin typeface="Fredoka" panose="020B0604020202020204" charset="0"/>
+              </a:rPr>
+              <a:t>: analisi e sperimentazione mediante sviluppo di user agent e server SM-DP+ </a:t>
+            </a:r>
+            <a:endParaRPr lang="en-US" sz="6600" dirty="0">
+              <a:solidFill>
+                <a:srgbClr val="000000"/>
+              </a:solidFill>
+              <a:latin typeface="Fredoka" panose="020B0604020202020204" charset="0"/>
+              <a:ea typeface="Fredoka"/>
+              <a:cs typeface="Fredoka"/>
+              <a:sym typeface="Fredoka"/>
+            </a:endParaRPr>
           </a:p>
         </p:txBody>
       </p:sp>
@@ -3441,8 +3454,8 @@
         </p:nvSpPr>
         <p:spPr>
           <a:xfrm>
-            <a:off x="4190453" y="4762704"/>
-            <a:ext cx="9907094" cy="685391"/>
+            <a:off x="4190453" y="5905909"/>
+            <a:ext cx="9907094" cy="692626"/>
           </a:xfrm>
           <a:prstGeom prst="rect">
             <a:avLst/>
@@ -3460,7 +3473,7 @@
               </a:lnSpc>
             </a:pPr>
             <a:r>
-              <a:rPr lang="en-US" sz="4002">
+              <a:rPr lang="en-US" sz="4002" dirty="0">
                 <a:solidFill>
                   <a:srgbClr val="000000"/>
                 </a:solidFill>
@@ -3469,7 +3482,31 @@
                 <a:cs typeface="Nunito Bold"/>
                 <a:sym typeface="Nunito Bold"/>
               </a:rPr>
-              <a:t>Presentation by Alexander Aronowitz</a:t>
+              <a:t>Matteo Fanfarillo – </a:t>
+            </a:r>
+            <a:r>
+              <a:rPr lang="en-US" sz="4002" dirty="0" err="1">
+                <a:solidFill>
+                  <a:srgbClr val="000000"/>
+                </a:solidFill>
+                <a:latin typeface="Nunito Bold"/>
+                <a:ea typeface="Nunito Bold"/>
+                <a:cs typeface="Nunito Bold"/>
+                <a:sym typeface="Nunito Bold"/>
+              </a:rPr>
+              <a:t>matricola</a:t>
+            </a:r>
+            <a:r>
+              <a:rPr lang="en-US" sz="4002" dirty="0">
+                <a:solidFill>
+                  <a:srgbClr val="000000"/>
+                </a:solidFill>
+                <a:latin typeface="Nunito Bold"/>
+                <a:ea typeface="Nunito Bold"/>
+                <a:cs typeface="Nunito Bold"/>
+                <a:sym typeface="Nunito Bold"/>
+              </a:rPr>
+              <a:t>: 0316179</a:t>
             </a:r>
           </a:p>
         </p:txBody>
@@ -3482,8 +3519,185 @@
         </p:nvSpPr>
         <p:spPr>
           <a:xfrm>
-            <a:off x="1028700" y="8743950"/>
-            <a:ext cx="5577893" cy="514350"/>
+            <a:off x="1028700" y="8534750"/>
+            <a:ext cx="10553700" cy="1057982"/>
+          </a:xfrm>
+          <a:prstGeom prst="rect">
+            <a:avLst/>
+          </a:prstGeom>
+        </p:spPr>
+        <p:txBody>
+          <a:bodyPr wrap="square" lIns="0" tIns="0" rIns="0" bIns="0" rtlCol="0" anchor="t">
+            <a:spAutoFit/>
+          </a:bodyPr>
+          <a:lstStyle/>
+          <a:p>
+            <a:pPr algn="l">
+              <a:lnSpc>
+                <a:spcPts val="4200"/>
+              </a:lnSpc>
+            </a:pPr>
+            <a:r>
+              <a:rPr lang="en-US" sz="3000" b="1" dirty="0" err="1">
+                <a:solidFill>
+                  <a:srgbClr val="000000"/>
+                </a:solidFill>
+                <a:latin typeface="Nunito"/>
+                <a:ea typeface="Nunito"/>
+                <a:cs typeface="Nunito"/>
+                <a:sym typeface="Nunito"/>
+              </a:rPr>
+              <a:t>Relatore</a:t>
+            </a:r>
+            <a:r>
+              <a:rPr lang="en-US" sz="3000" b="1" dirty="0">
+                <a:solidFill>
+                  <a:srgbClr val="000000"/>
+                </a:solidFill>
+                <a:latin typeface="Nunito"/>
+                <a:ea typeface="Nunito"/>
+                <a:cs typeface="Nunito"/>
+                <a:sym typeface="Nunito"/>
+              </a:rPr>
+              <a:t>: </a:t>
+            </a:r>
+            <a:r>
+              <a:rPr lang="en-US" sz="3000" dirty="0">
+                <a:solidFill>
+                  <a:srgbClr val="000000"/>
+                </a:solidFill>
+                <a:latin typeface="Nunito"/>
+                <a:ea typeface="Nunito"/>
+                <a:cs typeface="Nunito"/>
+                <a:sym typeface="Nunito"/>
+              </a:rPr>
+              <a:t>prof. Giuseppe Bianchi</a:t>
+            </a:r>
+          </a:p>
+          <a:p>
+            <a:pPr algn="l">
+              <a:lnSpc>
+                <a:spcPts val="4200"/>
+              </a:lnSpc>
+            </a:pPr>
+            <a:r>
+              <a:rPr lang="en-US" sz="3000" b="1" dirty="0" err="1">
+                <a:solidFill>
+                  <a:srgbClr val="000000"/>
+                </a:solidFill>
+                <a:latin typeface="Nunito"/>
+                <a:ea typeface="Nunito"/>
+                <a:cs typeface="Nunito"/>
+                <a:sym typeface="Nunito"/>
+              </a:rPr>
+              <a:t>Correlatori</a:t>
+            </a:r>
+            <a:r>
+              <a:rPr lang="en-US" sz="3000" b="1" dirty="0">
+                <a:solidFill>
+                  <a:srgbClr val="000000"/>
+                </a:solidFill>
+                <a:latin typeface="Nunito"/>
+                <a:ea typeface="Nunito"/>
+                <a:cs typeface="Nunito"/>
+                <a:sym typeface="Nunito"/>
+              </a:rPr>
+              <a:t>: </a:t>
+            </a:r>
+            <a:r>
+              <a:rPr lang="en-US" sz="3000" dirty="0">
+                <a:solidFill>
+                  <a:srgbClr val="000000"/>
+                </a:solidFill>
+                <a:latin typeface="Nunito"/>
+                <a:ea typeface="Nunito"/>
+                <a:cs typeface="Nunito"/>
+                <a:sym typeface="Nunito"/>
+              </a:rPr>
+              <a:t>prof. Francesco </a:t>
+            </a:r>
+            <a:r>
+              <a:rPr lang="en-US" sz="3000" dirty="0" err="1">
+                <a:solidFill>
+                  <a:srgbClr val="000000"/>
+                </a:solidFill>
+                <a:latin typeface="Nunito"/>
+                <a:ea typeface="Nunito"/>
+                <a:cs typeface="Nunito"/>
+                <a:sym typeface="Nunito"/>
+              </a:rPr>
+              <a:t>Gringoli</a:t>
+            </a:r>
+            <a:r>
+              <a:rPr lang="en-US" sz="3000" dirty="0">
+                <a:solidFill>
+                  <a:srgbClr val="000000"/>
+                </a:solidFill>
+                <a:latin typeface="Nunito"/>
+                <a:ea typeface="Nunito"/>
+                <a:cs typeface="Nunito"/>
+                <a:sym typeface="Nunito"/>
+              </a:rPr>
+              <a:t>, </a:t>
+            </a:r>
+            <a:r>
+              <a:rPr lang="en-US" sz="3000" dirty="0" err="1">
+                <a:solidFill>
+                  <a:srgbClr val="000000"/>
+                </a:solidFill>
+                <a:latin typeface="Nunito"/>
+                <a:ea typeface="Nunito"/>
+                <a:cs typeface="Nunito"/>
+                <a:sym typeface="Nunito"/>
+              </a:rPr>
+              <a:t>dott</a:t>
+            </a:r>
+            <a:r>
+              <a:rPr lang="en-US" sz="3000" dirty="0">
+                <a:solidFill>
+                  <a:srgbClr val="000000"/>
+                </a:solidFill>
+                <a:latin typeface="Nunito"/>
+                <a:ea typeface="Nunito"/>
+                <a:cs typeface="Nunito"/>
+                <a:sym typeface="Nunito"/>
+              </a:rPr>
+              <a:t>. Lorenzo </a:t>
+            </a:r>
+            <a:r>
+              <a:rPr lang="en-US" sz="3000" dirty="0" err="1">
+                <a:solidFill>
+                  <a:srgbClr val="000000"/>
+                </a:solidFill>
+                <a:latin typeface="Nunito"/>
+                <a:ea typeface="Nunito"/>
+                <a:cs typeface="Nunito"/>
+                <a:sym typeface="Nunito"/>
+              </a:rPr>
+              <a:t>Valeriani</a:t>
+            </a:r>
+            <a:endParaRPr lang="en-US" sz="3000" dirty="0">
+              <a:solidFill>
+                <a:srgbClr val="000000"/>
+              </a:solidFill>
+              <a:latin typeface="Nunito"/>
+              <a:ea typeface="Nunito"/>
+              <a:cs typeface="Nunito"/>
+              <a:sym typeface="Nunito"/>
+            </a:endParaRPr>
+          </a:p>
+        </p:txBody>
+      </p:sp>
+      <p:sp>
+        <p:nvSpPr>
+          <p:cNvPr id="13" name="TextBox 13"/>
+          <p:cNvSpPr txBox="1"/>
+          <p:nvPr/>
+        </p:nvSpPr>
+        <p:spPr>
+          <a:xfrm>
+            <a:off x="12777754" y="8743950"/>
+            <a:ext cx="4481546" cy="514350"/>
           </a:xfrm>
           <a:prstGeom prst="rect">
             <a:avLst/>
@@ -3495,63 +3709,22 @@
           </a:bodyPr>
           <a:lstStyle/>
           <a:p>
-            <a:pPr algn="l">
-              <a:lnSpc>
-                <a:spcPts val="4200"/>
-              </a:lnSpc>
-            </a:pPr>
-            <a:r>
-              <a:rPr lang="en-US" sz="3000">
-                <a:solidFill>
-                  <a:srgbClr val="000000"/>
-                </a:solidFill>
-                <a:latin typeface="Nunito"/>
-                <a:ea typeface="Nunito"/>
-                <a:cs typeface="Nunito"/>
-                <a:sym typeface="Nunito"/>
-              </a:rPr>
-              <a:t>Business Marketing | 2024</a:t>
-            </a:r>
-          </a:p>
-        </p:txBody>
-      </p:sp>
-      <p:sp>
-        <p:nvSpPr>
-          <p:cNvPr id="13" name="TextBox 13"/>
-          <p:cNvSpPr txBox="1"/>
-          <p:nvPr/>
-        </p:nvSpPr>
-        <p:spPr>
-          <a:xfrm>
-            <a:off x="12777754" y="8743950"/>
-            <a:ext cx="4481546" cy="514350"/>
-          </a:xfrm>
-          <a:prstGeom prst="rect">
-            <a:avLst/>
-          </a:prstGeom>
-        </p:spPr>
-        <p:txBody>
-          <a:bodyPr lIns="0" tIns="0" rIns="0" bIns="0" rtlCol="0" anchor="t">
-            <a:spAutoFit/>
-          </a:bodyPr>
-          <a:lstStyle/>
-          <a:p>
             <a:pPr algn="r">
               <a:lnSpc>
                 <a:spcPts val="4200"/>
               </a:lnSpc>
             </a:pPr>
             <a:r>
-              <a:rPr lang="en-US" sz="3000">
-                <a:solidFill>
-                  <a:srgbClr val="000000"/>
-                </a:solidFill>
-                <a:latin typeface="Nunito"/>
+              <a:rPr lang="en-US" sz="3000" dirty="0">
+                <a:solidFill>
+                  <a:srgbClr val="000000"/>
+                </a:solidFill>
+                <a:latin typeface="Nunito Bold" charset="0"/>
                 <a:ea typeface="Nunito"/>
                 <a:cs typeface="Nunito"/>
                 <a:sym typeface="Nunito"/>
               </a:rPr>
-              <a:t>Rimberio University </a:t>
+              <a:t>17/07/2024</a:t>
             </a:r>
           </a:p>
         </p:txBody>
@@ -3608,6 +3781,42 @@
           </a:blipFill>
         </p:spPr>
       </p:sp>
+      <p:pic>
+        <p:nvPicPr>
+          <p:cNvPr id="16" name="Immagine 15">
+            <a:extLst>
+              <a:ext uri="{FF2B5EF4-FFF2-40B4-BE49-F238E27FC236}">
+                <a16:creationId xmlns:a16="http://schemas.microsoft.com/office/drawing/2014/main" id="{34B72D02-4665-CE69-511E-9C457EF5D86A}"/>
+              </a:ext>
+            </a:extLst>
+          </p:cNvPr>
+          <p:cNvPicPr>
+            <a:picLocks noChangeAspect="1"/>
+          </p:cNvPicPr>
+          <p:nvPr/>
+        </p:nvPicPr>
+        <p:blipFill>
+          <a:blip r:embed="rId8">
+            <a:extLst>
+              <a:ext uri="{28A0092B-C50C-407E-A947-70E740481C1C}">
+                <a14:useLocalDpi xmlns:a14="http://schemas.microsoft.com/office/drawing/2010/main" val="0"/>
+              </a:ext>
+            </a:extLst>
+          </a:blip>
+          <a:stretch>
+            <a:fillRect/>
+          </a:stretch>
+        </p:blipFill>
+        <p:spPr>
+          <a:xfrm>
+            <a:off x="5624813" y="651503"/>
+            <a:ext cx="7038373" cy="1626079"/>
+          </a:xfrm>
+          <a:prstGeom prst="rect">
+            <a:avLst/>
+          </a:prstGeom>
+        </p:spPr>
+      </p:pic>
     </p:spTree>
   </p:cSld>
   <p:clrMapOvr>
@@ -3617,6 +3826,582 @@
 </file>
 
 <file path=ppt/slides/slide10.xml><?xml version="1.0" encoding="utf-8"?>
+<p:sld xmlns:a="http://schemas.openxmlformats.org/drawingml/2006/main" xmlns:r="http://schemas.openxmlformats.org/officeDocument/2006/relationships" xmlns:p="http://schemas.openxmlformats.org/presentationml/2006/main">
+  <p:cSld>
+    <p:spTree>
+      <p:nvGrpSpPr>
+        <p:cNvPr id="1" name=""/>
+        <p:cNvGrpSpPr/>
+        <p:nvPr/>
+      </p:nvGrpSpPr>
+      <p:grpSpPr>
+        <a:xfrm>
+          <a:off x="0" y="0"/>
+          <a:ext cx="0" cy="0"/>
+          <a:chOff x="0" y="0"/>
+          <a:chExt cx="0" cy="0"/>
+        </a:xfrm>
+      </p:grpSpPr>
+      <p:grpSp>
+        <p:nvGrpSpPr>
+          <p:cNvPr id="2" name="Group 2"/>
+          <p:cNvGrpSpPr/>
+          <p:nvPr/>
+        </p:nvGrpSpPr>
+        <p:grpSpPr>
+          <a:xfrm>
+            <a:off x="-1109662" y="0"/>
+            <a:ext cx="20507325" cy="10287000"/>
+            <a:chOff x="0" y="0"/>
+            <a:chExt cx="27343100" cy="13716000"/>
+          </a:xfrm>
+        </p:grpSpPr>
+        <p:sp>
+          <p:nvSpPr>
+            <p:cNvPr id="3" name="Freeform 3"/>
+            <p:cNvSpPr/>
+            <p:nvPr/>
+          </p:nvSpPr>
+          <p:spPr>
+            <a:xfrm>
+              <a:off x="0" y="0"/>
+              <a:ext cx="13716000" cy="13716000"/>
+            </a:xfrm>
+            <a:custGeom>
+              <a:avLst/>
+              <a:gdLst/>
+              <a:ahLst/>
+              <a:cxnLst/>
+              <a:rect l="l" t="t" r="r" b="b"/>
+              <a:pathLst>
+                <a:path w="13716000" h="13716000">
+                  <a:moveTo>
+                    <a:pt x="0" y="0"/>
+                  </a:moveTo>
+                  <a:lnTo>
+                    <a:pt x="13716000" y="0"/>
+                  </a:lnTo>
+                  <a:lnTo>
+                    <a:pt x="13716000" y="13716000"/>
+                  </a:lnTo>
+                  <a:lnTo>
+                    <a:pt x="0" y="13716000"/>
+                  </a:lnTo>
+                  <a:lnTo>
+                    <a:pt x="0" y="0"/>
+                  </a:lnTo>
+                  <a:close/>
+                </a:path>
+              </a:pathLst>
+            </a:custGeom>
+            <a:blipFill>
+              <a:blip r:embed="rId2">
+                <a:alphaModFix amt="0"/>
+                <a:extLst>
+                  <a:ext uri="{96DAC541-7B7A-43D3-8B79-37D633B846F1}">
+                    <asvg:svgBlip xmlns:asvg="http://schemas.microsoft.com/office/drawing/2016/SVG/main" r:embed="rId3"/>
+                  </a:ext>
+                </a:extLst>
+              </a:blip>
+              <a:stretch>
+                <a:fillRect/>
+              </a:stretch>
+            </a:blipFill>
+          </p:spPr>
+        </p:sp>
+        <p:sp>
+          <p:nvSpPr>
+            <p:cNvPr id="4" name="Freeform 4"/>
+            <p:cNvSpPr/>
+            <p:nvPr/>
+          </p:nvSpPr>
+          <p:spPr>
+            <a:xfrm>
+              <a:off x="13627100" y="0"/>
+              <a:ext cx="13716000" cy="13716000"/>
+            </a:xfrm>
+            <a:custGeom>
+              <a:avLst/>
+              <a:gdLst/>
+              <a:ahLst/>
+              <a:cxnLst/>
+              <a:rect l="l" t="t" r="r" b="b"/>
+              <a:pathLst>
+                <a:path w="13716000" h="13716000">
+                  <a:moveTo>
+                    <a:pt x="0" y="0"/>
+                  </a:moveTo>
+                  <a:lnTo>
+                    <a:pt x="13716000" y="0"/>
+                  </a:lnTo>
+                  <a:lnTo>
+                    <a:pt x="13716000" y="13716000"/>
+                  </a:lnTo>
+                  <a:lnTo>
+                    <a:pt x="0" y="13716000"/>
+                  </a:lnTo>
+                  <a:lnTo>
+                    <a:pt x="0" y="0"/>
+                  </a:lnTo>
+                  <a:close/>
+                </a:path>
+              </a:pathLst>
+            </a:custGeom>
+            <a:blipFill>
+              <a:blip r:embed="rId2">
+                <a:alphaModFix amt="0"/>
+                <a:extLst>
+                  <a:ext uri="{96DAC541-7B7A-43D3-8B79-37D633B846F1}">
+                    <asvg:svgBlip xmlns:asvg="http://schemas.microsoft.com/office/drawing/2016/SVG/main" r:embed="rId3"/>
+                  </a:ext>
+                </a:extLst>
+              </a:blip>
+              <a:stretch>
+                <a:fillRect/>
+              </a:stretch>
+            </a:blipFill>
+          </p:spPr>
+        </p:sp>
+      </p:grpSp>
+      <p:grpSp>
+        <p:nvGrpSpPr>
+          <p:cNvPr id="5" name="Group 5"/>
+          <p:cNvGrpSpPr/>
+          <p:nvPr/>
+        </p:nvGrpSpPr>
+        <p:grpSpPr>
+          <a:xfrm>
+            <a:off x="5727381" y="687305"/>
+            <a:ext cx="6833238" cy="1730229"/>
+            <a:chOff x="0" y="0"/>
+            <a:chExt cx="1799700" cy="455698"/>
+          </a:xfrm>
+        </p:grpSpPr>
+        <p:sp>
+          <p:nvSpPr>
+            <p:cNvPr id="6" name="Freeform 6"/>
+            <p:cNvSpPr/>
+            <p:nvPr/>
+          </p:nvSpPr>
+          <p:spPr>
+            <a:xfrm>
+              <a:off x="0" y="0"/>
+              <a:ext cx="1799700" cy="455698"/>
+            </a:xfrm>
+            <a:custGeom>
+              <a:avLst/>
+              <a:gdLst/>
+              <a:ahLst/>
+              <a:cxnLst/>
+              <a:rect l="l" t="t" r="r" b="b"/>
+              <a:pathLst>
+                <a:path w="1799700" h="455698">
+                  <a:moveTo>
+                    <a:pt x="0" y="0"/>
+                  </a:moveTo>
+                  <a:lnTo>
+                    <a:pt x="1799700" y="0"/>
+                  </a:lnTo>
+                  <a:lnTo>
+                    <a:pt x="1799700" y="455698"/>
+                  </a:lnTo>
+                  <a:lnTo>
+                    <a:pt x="0" y="455698"/>
+                  </a:lnTo>
+                  <a:close/>
+                </a:path>
+              </a:pathLst>
+            </a:custGeom>
+            <a:solidFill>
+              <a:srgbClr val="FFFFFF"/>
+            </a:solidFill>
+            <a:ln w="38100" cap="sq">
+              <a:solidFill>
+                <a:srgbClr val="FFFFFF"/>
+              </a:solidFill>
+              <a:prstDash val="solid"/>
+              <a:miter/>
+            </a:ln>
+          </p:spPr>
+        </p:sp>
+        <p:sp>
+          <p:nvSpPr>
+            <p:cNvPr id="7" name="TextBox 7"/>
+            <p:cNvSpPr txBox="1"/>
+            <p:nvPr/>
+          </p:nvSpPr>
+          <p:spPr>
+            <a:xfrm>
+              <a:off x="0" y="-38100"/>
+              <a:ext cx="1799700" cy="493798"/>
+            </a:xfrm>
+            <a:prstGeom prst="rect">
+              <a:avLst/>
+            </a:prstGeom>
+          </p:spPr>
+          <p:txBody>
+            <a:bodyPr lIns="50800" tIns="50800" rIns="50800" bIns="50800" rtlCol="0" anchor="ctr"/>
+            <a:lstStyle/>
+            <a:p>
+              <a:pPr algn="ctr">
+                <a:lnSpc>
+                  <a:spcPts val="2659"/>
+                </a:lnSpc>
+                <a:spcBef>
+                  <a:spcPct val="0"/>
+                </a:spcBef>
+              </a:pPr>
+              <a:endParaRPr/>
+            </a:p>
+          </p:txBody>
+        </p:sp>
+      </p:grpSp>
+      <p:grpSp>
+        <p:nvGrpSpPr>
+          <p:cNvPr id="8" name="Group 8"/>
+          <p:cNvGrpSpPr/>
+          <p:nvPr/>
+        </p:nvGrpSpPr>
+        <p:grpSpPr>
+          <a:xfrm>
+            <a:off x="-576611" y="8801100"/>
+            <a:ext cx="19974273" cy="1861295"/>
+            <a:chOff x="0" y="0"/>
+            <a:chExt cx="5260714" cy="490218"/>
+          </a:xfrm>
+        </p:grpSpPr>
+        <p:sp>
+          <p:nvSpPr>
+            <p:cNvPr id="9" name="Freeform 9"/>
+            <p:cNvSpPr/>
+            <p:nvPr/>
+          </p:nvSpPr>
+          <p:spPr>
+            <a:xfrm>
+              <a:off x="0" y="0"/>
+              <a:ext cx="5260714" cy="490218"/>
+            </a:xfrm>
+            <a:custGeom>
+              <a:avLst/>
+              <a:gdLst/>
+              <a:ahLst/>
+              <a:cxnLst/>
+              <a:rect l="l" t="t" r="r" b="b"/>
+              <a:pathLst>
+                <a:path w="5260714" h="490218">
+                  <a:moveTo>
+                    <a:pt x="0" y="0"/>
+                  </a:moveTo>
+                  <a:lnTo>
+                    <a:pt x="5260714" y="0"/>
+                  </a:lnTo>
+                  <a:lnTo>
+                    <a:pt x="5260714" y="490218"/>
+                  </a:lnTo>
+                  <a:lnTo>
+                    <a:pt x="0" y="490218"/>
+                  </a:lnTo>
+                  <a:close/>
+                </a:path>
+              </a:pathLst>
+            </a:custGeom>
+            <a:solidFill>
+              <a:srgbClr val="B2E69D"/>
+            </a:solidFill>
+          </p:spPr>
+        </p:sp>
+        <p:sp>
+          <p:nvSpPr>
+            <p:cNvPr id="10" name="TextBox 10"/>
+            <p:cNvSpPr txBox="1"/>
+            <p:nvPr/>
+          </p:nvSpPr>
+          <p:spPr>
+            <a:xfrm>
+              <a:off x="0" y="-38100"/>
+              <a:ext cx="5260714" cy="528318"/>
+            </a:xfrm>
+            <a:prstGeom prst="rect">
+              <a:avLst/>
+            </a:prstGeom>
+          </p:spPr>
+          <p:txBody>
+            <a:bodyPr lIns="50800" tIns="50800" rIns="50800" bIns="50800" rtlCol="0" anchor="ctr"/>
+            <a:lstStyle/>
+            <a:p>
+              <a:pPr algn="ctr">
+                <a:lnSpc>
+                  <a:spcPts val="2659"/>
+                </a:lnSpc>
+                <a:spcBef>
+                  <a:spcPct val="0"/>
+                </a:spcBef>
+              </a:pPr>
+              <a:endParaRPr/>
+            </a:p>
+          </p:txBody>
+        </p:sp>
+      </p:grpSp>
+      <p:sp>
+        <p:nvSpPr>
+          <p:cNvPr id="11" name="TextBox 11"/>
+          <p:cNvSpPr txBox="1"/>
+          <p:nvPr/>
+        </p:nvSpPr>
+        <p:spPr>
+          <a:xfrm>
+            <a:off x="5910979" y="904875"/>
+            <a:ext cx="6466041" cy="1125781"/>
+          </a:xfrm>
+          <a:prstGeom prst="rect">
+            <a:avLst/>
+          </a:prstGeom>
+        </p:spPr>
+        <p:txBody>
+          <a:bodyPr lIns="0" tIns="0" rIns="0" bIns="0" rtlCol="0" anchor="t">
+            <a:spAutoFit/>
+          </a:bodyPr>
+          <a:lstStyle/>
+          <a:p>
+            <a:pPr algn="ctr">
+              <a:lnSpc>
+                <a:spcPts val="9250"/>
+              </a:lnSpc>
+            </a:pPr>
+            <a:r>
+              <a:rPr lang="en-US" sz="6607">
+                <a:solidFill>
+                  <a:srgbClr val="000000"/>
+                </a:solidFill>
+                <a:latin typeface="Fredoka"/>
+                <a:ea typeface="Fredoka"/>
+                <a:cs typeface="Fredoka"/>
+                <a:sym typeface="Fredoka"/>
+              </a:rPr>
+              <a:t>RESULT </a:t>
+            </a:r>
+          </a:p>
+        </p:txBody>
+      </p:sp>
+      <p:sp>
+        <p:nvSpPr>
+          <p:cNvPr id="12" name="TextBox 12"/>
+          <p:cNvSpPr txBox="1"/>
+          <p:nvPr/>
+        </p:nvSpPr>
+        <p:spPr>
+          <a:xfrm>
+            <a:off x="1028700" y="3300167"/>
+            <a:ext cx="7998308" cy="3683000"/>
+          </a:xfrm>
+          <a:prstGeom prst="rect">
+            <a:avLst/>
+          </a:prstGeom>
+        </p:spPr>
+        <p:txBody>
+          <a:bodyPr lIns="0" tIns="0" rIns="0" bIns="0" rtlCol="0" anchor="t">
+            <a:spAutoFit/>
+          </a:bodyPr>
+          <a:lstStyle/>
+          <a:p>
+            <a:pPr algn="l">
+              <a:lnSpc>
+                <a:spcPts val="4899"/>
+              </a:lnSpc>
+            </a:pPr>
+            <a:r>
+              <a:rPr lang="en-US" sz="3499">
+                <a:solidFill>
+                  <a:srgbClr val="000000"/>
+                </a:solidFill>
+                <a:latin typeface="Nunito Bold"/>
+                <a:ea typeface="Nunito Bold"/>
+                <a:cs typeface="Nunito Bold"/>
+                <a:sym typeface="Nunito Bold"/>
+              </a:rPr>
+              <a:t>Lorem ipsum dolor sit amet, consectetur adipiscing elit. Morbi vitae mauris ut nunc feugiat tincidunt ac et purus. Suspendisse et cursus dui. Vivamus lacinia orci ut nibh luctus pulvinar.</a:t>
+            </a:r>
+          </a:p>
+        </p:txBody>
+      </p:sp>
+      <p:sp>
+        <p:nvSpPr>
+          <p:cNvPr id="13" name="TextBox 13"/>
+          <p:cNvSpPr txBox="1"/>
+          <p:nvPr/>
+        </p:nvSpPr>
+        <p:spPr>
+          <a:xfrm>
+            <a:off x="514350" y="9217398"/>
+            <a:ext cx="17259300" cy="514350"/>
+          </a:xfrm>
+          <a:prstGeom prst="rect">
+            <a:avLst/>
+          </a:prstGeom>
+        </p:spPr>
+        <p:txBody>
+          <a:bodyPr lIns="0" tIns="0" rIns="0" bIns="0" rtlCol="0" anchor="t">
+            <a:spAutoFit/>
+          </a:bodyPr>
+          <a:lstStyle/>
+          <a:p>
+            <a:pPr algn="ctr">
+              <a:lnSpc>
+                <a:spcPts val="4200"/>
+              </a:lnSpc>
+            </a:pPr>
+            <a:r>
+              <a:rPr lang="en-US" sz="3000">
+                <a:solidFill>
+                  <a:srgbClr val="000000"/>
+                </a:solidFill>
+                <a:latin typeface="Nunito"/>
+                <a:ea typeface="Nunito"/>
+                <a:cs typeface="Nunito"/>
+                <a:sym typeface="Nunito"/>
+              </a:rPr>
+              <a:t>Presentation by Alexander Aronowitz | Business Marketing | 2024 | Rimberio University </a:t>
+            </a:r>
+          </a:p>
+        </p:txBody>
+      </p:sp>
+      <p:sp>
+        <p:nvSpPr>
+          <p:cNvPr id="14" name="Freeform 14"/>
+          <p:cNvSpPr/>
+          <p:nvPr/>
+        </p:nvSpPr>
+        <p:spPr>
+          <a:xfrm>
+            <a:off x="-1109662" y="-911620"/>
+            <a:ext cx="2942276" cy="2942276"/>
+          </a:xfrm>
+          <a:custGeom>
+            <a:avLst/>
+            <a:gdLst/>
+            <a:ahLst/>
+            <a:cxnLst/>
+            <a:rect l="l" t="t" r="r" b="b"/>
+            <a:pathLst>
+              <a:path w="2942276" h="2942276">
+                <a:moveTo>
+                  <a:pt x="0" y="0"/>
+                </a:moveTo>
+                <a:lnTo>
+                  <a:pt x="2942276" y="0"/>
+                </a:lnTo>
+                <a:lnTo>
+                  <a:pt x="2942276" y="2942276"/>
+                </a:lnTo>
+                <a:lnTo>
+                  <a:pt x="0" y="2942276"/>
+                </a:lnTo>
+                <a:lnTo>
+                  <a:pt x="0" y="0"/>
+                </a:lnTo>
+                <a:close/>
+              </a:path>
+            </a:pathLst>
+          </a:custGeom>
+          <a:blipFill>
+            <a:blip r:embed="rId4">
+              <a:extLst>
+                <a:ext uri="{96DAC541-7B7A-43D3-8B79-37D633B846F1}">
+                  <asvg:svgBlip xmlns:asvg="http://schemas.microsoft.com/office/drawing/2016/SVG/main" r:embed="rId5"/>
+                </a:ext>
+              </a:extLst>
+            </a:blip>
+            <a:stretch>
+              <a:fillRect/>
+            </a:stretch>
+          </a:blipFill>
+        </p:spPr>
+      </p:sp>
+      <p:sp>
+        <p:nvSpPr>
+          <p:cNvPr id="15" name="Freeform 15"/>
+          <p:cNvSpPr/>
+          <p:nvPr/>
+        </p:nvSpPr>
+        <p:spPr>
+          <a:xfrm flipH="1">
+            <a:off x="15561698" y="480251"/>
+            <a:ext cx="3395204" cy="1049427"/>
+          </a:xfrm>
+          <a:custGeom>
+            <a:avLst/>
+            <a:gdLst/>
+            <a:ahLst/>
+            <a:cxnLst/>
+            <a:rect l="l" t="t" r="r" b="b"/>
+            <a:pathLst>
+              <a:path w="3395204" h="1049427">
+                <a:moveTo>
+                  <a:pt x="3395204" y="0"/>
+                </a:moveTo>
+                <a:lnTo>
+                  <a:pt x="0" y="0"/>
+                </a:lnTo>
+                <a:lnTo>
+                  <a:pt x="0" y="1049427"/>
+                </a:lnTo>
+                <a:lnTo>
+                  <a:pt x="3395204" y="1049427"/>
+                </a:lnTo>
+                <a:lnTo>
+                  <a:pt x="3395204" y="0"/>
+                </a:lnTo>
+                <a:close/>
+              </a:path>
+            </a:pathLst>
+          </a:custGeom>
+          <a:blipFill>
+            <a:blip r:embed="rId6">
+              <a:extLst>
+                <a:ext uri="{96DAC541-7B7A-43D3-8B79-37D633B846F1}">
+                  <asvg:svgBlip xmlns:asvg="http://schemas.microsoft.com/office/drawing/2016/SVG/main" r:embed="rId7"/>
+                </a:ext>
+              </a:extLst>
+            </a:blip>
+            <a:stretch>
+              <a:fillRect/>
+            </a:stretch>
+          </a:blipFill>
+        </p:spPr>
+      </p:sp>
+      <p:pic>
+        <p:nvPicPr>
+          <p:cNvPr id="16" name="Picture 16"/>
+          <p:cNvPicPr>
+            <a:picLocks noChangeAspect="1"/>
+          </p:cNvPicPr>
+          <p:nvPr/>
+        </p:nvPicPr>
+        <p:blipFill>
+          <a:blip r:embed="rId8"/>
+          <a:stretch>
+            <a:fillRect/>
+          </a:stretch>
+        </p:blipFill>
+        <p:spPr>
+          <a:xfrm>
+            <a:off x="10996855" y="2607420"/>
+            <a:ext cx="6102047" cy="5929423"/>
+          </a:xfrm>
+          <a:prstGeom prst="rect">
+            <a:avLst/>
+          </a:prstGeom>
+        </p:spPr>
+      </p:pic>
+    </p:spTree>
+  </p:cSld>
+  <p:clrMapOvr>
+    <a:masterClrMapping/>
+  </p:clrMapOvr>
+</p:sld>
+</file>
+
+<file path=ppt/slides/slide11.xml><?xml version="1.0" encoding="utf-8"?>
 <p:sld xmlns:a="http://schemas.openxmlformats.org/drawingml/2006/main" xmlns:r="http://schemas.openxmlformats.org/officeDocument/2006/relationships" xmlns:p="http://schemas.openxmlformats.org/presentationml/2006/main">
   <p:cSld>
     <p:spTree>
@@ -4913,7 +5698,7 @@
 </p:sld>
 </file>
 
-<file path=ppt/slides/slide11.xml><?xml version="1.0" encoding="utf-8"?>
+<file path=ppt/slides/slide12.xml><?xml version="1.0" encoding="utf-8"?>
 <p:sld xmlns:a="http://schemas.openxmlformats.org/drawingml/2006/main" xmlns:r="http://schemas.openxmlformats.org/officeDocument/2006/relationships" xmlns:p="http://schemas.openxmlformats.org/presentationml/2006/main">
   <p:cSld>
     <p:spTree>
@@ -5586,7 +6371,7 @@
 </p:sld>
 </file>
 
-<file path=ppt/slides/slide12.xml><?xml version="1.0" encoding="utf-8"?>
+<file path=ppt/slides/slide13.xml><?xml version="1.0" encoding="utf-8"?>
 <p:sld xmlns:a="http://schemas.openxmlformats.org/drawingml/2006/main" xmlns:r="http://schemas.openxmlformats.org/officeDocument/2006/relationships" xmlns:p="http://schemas.openxmlformats.org/presentationml/2006/main">
   <p:cSld>
     <p:spTree>
@@ -6451,7 +7236,7 @@
 </p:sld>
 </file>
 
-<file path=ppt/slides/slide13.xml><?xml version="1.0" encoding="utf-8"?>
+<file path=ppt/slides/slide14.xml><?xml version="1.0" encoding="utf-8"?>
 <p:sld xmlns:a="http://schemas.openxmlformats.org/drawingml/2006/main" xmlns:r="http://schemas.openxmlformats.org/officeDocument/2006/relationships" xmlns:p="http://schemas.openxmlformats.org/presentationml/2006/main">
   <p:cSld>
     <p:spTree>
@@ -7450,7 +8235,7 @@
 </p:sld>
 </file>
 
-<file path=ppt/slides/slide14.xml><?xml version="1.0" encoding="utf-8"?>
+<file path=ppt/slides/slide15.xml><?xml version="1.0" encoding="utf-8"?>
 <p:sld xmlns:a="http://schemas.openxmlformats.org/drawingml/2006/main" xmlns:r="http://schemas.openxmlformats.org/officeDocument/2006/relationships" xmlns:p="http://schemas.openxmlformats.org/presentationml/2006/main">
   <p:cSld>
     <p:spTree>
@@ -7951,440 +8736,6 @@
 </file>
 
 <file path=ppt/slides/slide2.xml><?xml version="1.0" encoding="utf-8"?>
-<p:sld xmlns:a="http://schemas.openxmlformats.org/drawingml/2006/main" xmlns:r="http://schemas.openxmlformats.org/officeDocument/2006/relationships" xmlns:p="http://schemas.openxmlformats.org/presentationml/2006/main">
-  <p:cSld>
-    <p:spTree>
-      <p:nvGrpSpPr>
-        <p:cNvPr id="1" name=""/>
-        <p:cNvGrpSpPr/>
-        <p:nvPr/>
-      </p:nvGrpSpPr>
-      <p:grpSpPr>
-        <a:xfrm>
-          <a:off x="0" y="0"/>
-          <a:ext cx="0" cy="0"/>
-          <a:chOff x="0" y="0"/>
-          <a:chExt cx="0" cy="0"/>
-        </a:xfrm>
-      </p:grpSpPr>
-      <p:grpSp>
-        <p:nvGrpSpPr>
-          <p:cNvPr id="2" name="Group 2"/>
-          <p:cNvGrpSpPr/>
-          <p:nvPr/>
-        </p:nvGrpSpPr>
-        <p:grpSpPr>
-          <a:xfrm>
-            <a:off x="-1109662" y="0"/>
-            <a:ext cx="20507325" cy="10287000"/>
-            <a:chOff x="0" y="0"/>
-            <a:chExt cx="27343100" cy="13716000"/>
-          </a:xfrm>
-        </p:grpSpPr>
-        <p:sp>
-          <p:nvSpPr>
-            <p:cNvPr id="3" name="Freeform 3"/>
-            <p:cNvSpPr/>
-            <p:nvPr/>
-          </p:nvSpPr>
-          <p:spPr>
-            <a:xfrm>
-              <a:off x="0" y="0"/>
-              <a:ext cx="13716000" cy="13716000"/>
-            </a:xfrm>
-            <a:custGeom>
-              <a:avLst/>
-              <a:gdLst/>
-              <a:ahLst/>
-              <a:cxnLst/>
-              <a:rect l="l" t="t" r="r" b="b"/>
-              <a:pathLst>
-                <a:path w="13716000" h="13716000">
-                  <a:moveTo>
-                    <a:pt x="0" y="0"/>
-                  </a:moveTo>
-                  <a:lnTo>
-                    <a:pt x="13716000" y="0"/>
-                  </a:lnTo>
-                  <a:lnTo>
-                    <a:pt x="13716000" y="13716000"/>
-                  </a:lnTo>
-                  <a:lnTo>
-                    <a:pt x="0" y="13716000"/>
-                  </a:lnTo>
-                  <a:lnTo>
-                    <a:pt x="0" y="0"/>
-                  </a:lnTo>
-                  <a:close/>
-                </a:path>
-              </a:pathLst>
-            </a:custGeom>
-            <a:blipFill>
-              <a:blip r:embed="rId2">
-                <a:alphaModFix amt="0"/>
-                <a:extLst>
-                  <a:ext uri="{96DAC541-7B7A-43D3-8B79-37D633B846F1}">
-                    <asvg:svgBlip xmlns:asvg="http://schemas.microsoft.com/office/drawing/2016/SVG/main" r:embed="rId3"/>
-                  </a:ext>
-                </a:extLst>
-              </a:blip>
-              <a:stretch>
-                <a:fillRect/>
-              </a:stretch>
-            </a:blipFill>
-          </p:spPr>
-        </p:sp>
-        <p:sp>
-          <p:nvSpPr>
-            <p:cNvPr id="4" name="Freeform 4"/>
-            <p:cNvSpPr/>
-            <p:nvPr/>
-          </p:nvSpPr>
-          <p:spPr>
-            <a:xfrm>
-              <a:off x="13627100" y="0"/>
-              <a:ext cx="13716000" cy="13716000"/>
-            </a:xfrm>
-            <a:custGeom>
-              <a:avLst/>
-              <a:gdLst/>
-              <a:ahLst/>
-              <a:cxnLst/>
-              <a:rect l="l" t="t" r="r" b="b"/>
-              <a:pathLst>
-                <a:path w="13716000" h="13716000">
-                  <a:moveTo>
-                    <a:pt x="0" y="0"/>
-                  </a:moveTo>
-                  <a:lnTo>
-                    <a:pt x="13716000" y="0"/>
-                  </a:lnTo>
-                  <a:lnTo>
-                    <a:pt x="13716000" y="13716000"/>
-                  </a:lnTo>
-                  <a:lnTo>
-                    <a:pt x="0" y="13716000"/>
-                  </a:lnTo>
-                  <a:lnTo>
-                    <a:pt x="0" y="0"/>
-                  </a:lnTo>
-                  <a:close/>
-                </a:path>
-              </a:pathLst>
-            </a:custGeom>
-            <a:blipFill>
-              <a:blip r:embed="rId2">
-                <a:alphaModFix amt="0"/>
-                <a:extLst>
-                  <a:ext uri="{96DAC541-7B7A-43D3-8B79-37D633B846F1}">
-                    <asvg:svgBlip xmlns:asvg="http://schemas.microsoft.com/office/drawing/2016/SVG/main" r:embed="rId3"/>
-                  </a:ext>
-                </a:extLst>
-              </a:blip>
-              <a:stretch>
-                <a:fillRect/>
-              </a:stretch>
-            </a:blipFill>
-          </p:spPr>
-        </p:sp>
-      </p:grpSp>
-      <p:grpSp>
-        <p:nvGrpSpPr>
-          <p:cNvPr id="5" name="Group 5"/>
-          <p:cNvGrpSpPr/>
-          <p:nvPr/>
-        </p:nvGrpSpPr>
-        <p:grpSpPr>
-          <a:xfrm>
-            <a:off x="-576611" y="8353252"/>
-            <a:ext cx="19974273" cy="1420979"/>
-            <a:chOff x="0" y="0"/>
-            <a:chExt cx="5260714" cy="374250"/>
-          </a:xfrm>
-        </p:grpSpPr>
-        <p:sp>
-          <p:nvSpPr>
-            <p:cNvPr id="6" name="Freeform 6"/>
-            <p:cNvSpPr/>
-            <p:nvPr/>
-          </p:nvSpPr>
-          <p:spPr>
-            <a:xfrm>
-              <a:off x="0" y="0"/>
-              <a:ext cx="5260714" cy="374250"/>
-            </a:xfrm>
-            <a:custGeom>
-              <a:avLst/>
-              <a:gdLst/>
-              <a:ahLst/>
-              <a:cxnLst/>
-              <a:rect l="l" t="t" r="r" b="b"/>
-              <a:pathLst>
-                <a:path w="5260714" h="374250">
-                  <a:moveTo>
-                    <a:pt x="0" y="0"/>
-                  </a:moveTo>
-                  <a:lnTo>
-                    <a:pt x="5260714" y="0"/>
-                  </a:lnTo>
-                  <a:lnTo>
-                    <a:pt x="5260714" y="374250"/>
-                  </a:lnTo>
-                  <a:lnTo>
-                    <a:pt x="0" y="374250"/>
-                  </a:lnTo>
-                  <a:close/>
-                </a:path>
-              </a:pathLst>
-            </a:custGeom>
-            <a:solidFill>
-              <a:srgbClr val="B2E69D"/>
-            </a:solidFill>
-          </p:spPr>
-        </p:sp>
-        <p:sp>
-          <p:nvSpPr>
-            <p:cNvPr id="7" name="TextBox 7"/>
-            <p:cNvSpPr txBox="1"/>
-            <p:nvPr/>
-          </p:nvSpPr>
-          <p:spPr>
-            <a:xfrm>
-              <a:off x="0" y="-38100"/>
-              <a:ext cx="5260714" cy="412350"/>
-            </a:xfrm>
-            <a:prstGeom prst="rect">
-              <a:avLst/>
-            </a:prstGeom>
-          </p:spPr>
-          <p:txBody>
-            <a:bodyPr lIns="50800" tIns="50800" rIns="50800" bIns="50800" rtlCol="0" anchor="ctr"/>
-            <a:lstStyle/>
-            <a:p>
-              <a:pPr algn="ctr">
-                <a:lnSpc>
-                  <a:spcPts val="2659"/>
-                </a:lnSpc>
-                <a:spcBef>
-                  <a:spcPct val="0"/>
-                </a:spcBef>
-              </a:pPr>
-              <a:endParaRPr/>
-            </a:p>
-          </p:txBody>
-        </p:sp>
-      </p:grpSp>
-      <p:sp>
-        <p:nvSpPr>
-          <p:cNvPr id="8" name="Freeform 8"/>
-          <p:cNvSpPr/>
-          <p:nvPr/>
-        </p:nvSpPr>
-        <p:spPr>
-          <a:xfrm>
-            <a:off x="2116949" y="1896628"/>
-            <a:ext cx="2942276" cy="2942276"/>
-          </a:xfrm>
-          <a:custGeom>
-            <a:avLst/>
-            <a:gdLst/>
-            <a:ahLst/>
-            <a:cxnLst/>
-            <a:rect l="l" t="t" r="r" b="b"/>
-            <a:pathLst>
-              <a:path w="2942276" h="2942276">
-                <a:moveTo>
-                  <a:pt x="0" y="0"/>
-                </a:moveTo>
-                <a:lnTo>
-                  <a:pt x="2942276" y="0"/>
-                </a:lnTo>
-                <a:lnTo>
-                  <a:pt x="2942276" y="2942276"/>
-                </a:lnTo>
-                <a:lnTo>
-                  <a:pt x="0" y="2942276"/>
-                </a:lnTo>
-                <a:lnTo>
-                  <a:pt x="0" y="0"/>
-                </a:lnTo>
-                <a:close/>
-              </a:path>
-            </a:pathLst>
-          </a:custGeom>
-          <a:blipFill>
-            <a:blip r:embed="rId4">
-              <a:extLst>
-                <a:ext uri="{96DAC541-7B7A-43D3-8B79-37D633B846F1}">
-                  <asvg:svgBlip xmlns:asvg="http://schemas.microsoft.com/office/drawing/2016/SVG/main" r:embed="rId5"/>
-                </a:ext>
-              </a:extLst>
-            </a:blip>
-            <a:stretch>
-              <a:fillRect/>
-            </a:stretch>
-          </a:blipFill>
-        </p:spPr>
-      </p:sp>
-      <p:sp>
-        <p:nvSpPr>
-          <p:cNvPr id="9" name="Freeform 9"/>
-          <p:cNvSpPr/>
-          <p:nvPr/>
-        </p:nvSpPr>
-        <p:spPr>
-          <a:xfrm>
-            <a:off x="12399945" y="6010601"/>
-            <a:ext cx="3395204" cy="1049427"/>
-          </a:xfrm>
-          <a:custGeom>
-            <a:avLst/>
-            <a:gdLst/>
-            <a:ahLst/>
-            <a:cxnLst/>
-            <a:rect l="l" t="t" r="r" b="b"/>
-            <a:pathLst>
-              <a:path w="3395204" h="1049427">
-                <a:moveTo>
-                  <a:pt x="0" y="0"/>
-                </a:moveTo>
-                <a:lnTo>
-                  <a:pt x="3395204" y="0"/>
-                </a:lnTo>
-                <a:lnTo>
-                  <a:pt x="3395204" y="1049427"/>
-                </a:lnTo>
-                <a:lnTo>
-                  <a:pt x="0" y="1049427"/>
-                </a:lnTo>
-                <a:lnTo>
-                  <a:pt x="0" y="0"/>
-                </a:lnTo>
-                <a:close/>
-              </a:path>
-            </a:pathLst>
-          </a:custGeom>
-          <a:blipFill>
-            <a:blip r:embed="rId6">
-              <a:extLst>
-                <a:ext uri="{96DAC541-7B7A-43D3-8B79-37D633B846F1}">
-                  <asvg:svgBlip xmlns:asvg="http://schemas.microsoft.com/office/drawing/2016/SVG/main" r:embed="rId7"/>
-                </a:ext>
-              </a:extLst>
-            </a:blip>
-            <a:stretch>
-              <a:fillRect/>
-            </a:stretch>
-          </a:blipFill>
-        </p:spPr>
-      </p:sp>
-      <p:sp>
-        <p:nvSpPr>
-          <p:cNvPr id="10" name="TextBox 10"/>
-          <p:cNvSpPr txBox="1"/>
-          <p:nvPr/>
-        </p:nvSpPr>
-        <p:spPr>
-          <a:xfrm>
-            <a:off x="1668631" y="2924194"/>
-            <a:ext cx="14950738" cy="3589957"/>
-          </a:xfrm>
-          <a:prstGeom prst="rect">
-            <a:avLst/>
-          </a:prstGeom>
-        </p:spPr>
-        <p:txBody>
-          <a:bodyPr lIns="0" tIns="0" rIns="0" bIns="0" rtlCol="0" anchor="t">
-            <a:spAutoFit/>
-          </a:bodyPr>
-          <a:lstStyle/>
-          <a:p>
-            <a:pPr algn="ctr">
-              <a:lnSpc>
-                <a:spcPts val="14620"/>
-              </a:lnSpc>
-            </a:pPr>
-            <a:r>
-              <a:rPr lang="en-US" sz="10443" dirty="0">
-                <a:solidFill>
-                  <a:srgbClr val="000000"/>
-                </a:solidFill>
-                <a:latin typeface="Fredoka"/>
-                <a:ea typeface="Fredoka"/>
-                <a:cs typeface="Fredoka"/>
-                <a:sym typeface="Fredoka"/>
-              </a:rPr>
-              <a:t>SLIDE VUOTA PER SPEZZARE</a:t>
-            </a:r>
-          </a:p>
-        </p:txBody>
-      </p:sp>
-      <p:sp>
-        <p:nvSpPr>
-          <p:cNvPr id="14" name="Freeform 14"/>
-          <p:cNvSpPr/>
-          <p:nvPr/>
-        </p:nvSpPr>
-        <p:spPr>
-          <a:xfrm>
-            <a:off x="17216912" y="-911620"/>
-            <a:ext cx="2942276" cy="2942276"/>
-          </a:xfrm>
-          <a:custGeom>
-            <a:avLst/>
-            <a:gdLst/>
-            <a:ahLst/>
-            <a:cxnLst/>
-            <a:rect l="l" t="t" r="r" b="b"/>
-            <a:pathLst>
-              <a:path w="2942276" h="2942276">
-                <a:moveTo>
-                  <a:pt x="0" y="0"/>
-                </a:moveTo>
-                <a:lnTo>
-                  <a:pt x="2942276" y="0"/>
-                </a:lnTo>
-                <a:lnTo>
-                  <a:pt x="2942276" y="2942276"/>
-                </a:lnTo>
-                <a:lnTo>
-                  <a:pt x="0" y="2942276"/>
-                </a:lnTo>
-                <a:lnTo>
-                  <a:pt x="0" y="0"/>
-                </a:lnTo>
-                <a:close/>
-              </a:path>
-            </a:pathLst>
-          </a:custGeom>
-          <a:blipFill>
-            <a:blip r:embed="rId4">
-              <a:extLst>
-                <a:ext uri="{96DAC541-7B7A-43D3-8B79-37D633B846F1}">
-                  <asvg:svgBlip xmlns:asvg="http://schemas.microsoft.com/office/drawing/2016/SVG/main" r:embed="rId5"/>
-                </a:ext>
-              </a:extLst>
-            </a:blip>
-            <a:stretch>
-              <a:fillRect/>
-            </a:stretch>
-          </a:blipFill>
-        </p:spPr>
-      </p:sp>
-    </p:spTree>
-    <p:extLst>
-      <p:ext uri="{BB962C8B-B14F-4D97-AF65-F5344CB8AC3E}">
-        <p14:creationId xmlns:p14="http://schemas.microsoft.com/office/powerpoint/2010/main" val="3648146637"/>
-      </p:ext>
-    </p:extLst>
-  </p:cSld>
-  <p:clrMapOvr>
-    <a:masterClrMapping/>
-  </p:clrMapOvr>
-</p:sld>
-</file>
-
-<file path=ppt/slides/slide3.xml><?xml version="1.0" encoding="utf-8"?>
 <p:sld xmlns:a="http://schemas.openxmlformats.org/drawingml/2006/main" xmlns:r="http://schemas.openxmlformats.org/officeDocument/2006/relationships" xmlns:p="http://schemas.openxmlformats.org/presentationml/2006/main">
   <p:cSld>
     <p:spTree>
@@ -8814,7 +9165,7 @@
               </a:lnSpc>
             </a:pPr>
             <a:r>
-              <a:rPr lang="en-US" sz="6607">
+              <a:rPr lang="en-US" sz="6607" dirty="0">
                 <a:solidFill>
                   <a:srgbClr val="000000"/>
                 </a:solidFill>
@@ -8823,124 +9174,7 @@
                 <a:cs typeface="Fredoka"/>
                 <a:sym typeface="Fredoka"/>
               </a:rPr>
-              <a:t>INTRODUCTION </a:t>
-            </a:r>
-          </a:p>
-        </p:txBody>
-      </p:sp>
-      <p:sp>
-        <p:nvSpPr>
-          <p:cNvPr id="15" name="TextBox 15"/>
-          <p:cNvSpPr txBox="1"/>
-          <p:nvPr/>
-        </p:nvSpPr>
-        <p:spPr>
-          <a:xfrm>
-            <a:off x="2246042" y="3205755"/>
-            <a:ext cx="13795916" cy="4302125"/>
-          </a:xfrm>
-          <a:prstGeom prst="rect">
-            <a:avLst/>
-          </a:prstGeom>
-        </p:spPr>
-        <p:txBody>
-          <a:bodyPr lIns="0" tIns="0" rIns="0" bIns="0" rtlCol="0" anchor="t">
-            <a:spAutoFit/>
-          </a:bodyPr>
-          <a:lstStyle/>
-          <a:p>
-            <a:pPr algn="ctr">
-              <a:lnSpc>
-                <a:spcPts val="4899"/>
-              </a:lnSpc>
-            </a:pPr>
-            <a:r>
-              <a:rPr lang="en-US" sz="3499">
-                <a:solidFill>
-                  <a:srgbClr val="000000"/>
-                </a:solidFill>
-                <a:latin typeface="Nunito Bold"/>
-                <a:ea typeface="Nunito Bold"/>
-                <a:cs typeface="Nunito Bold"/>
-                <a:sym typeface="Nunito Bold"/>
-              </a:rPr>
-              <a:t>Lorem ipsum dolor sit amet, consectetur adipiscing elit. Morbi vitae mauris ut nunc feugiat tincidunt ac et purus. Suspendisse et cursus dui. Vivamus lacinia orci ut nibh luctus pulvinar.</a:t>
-            </a:r>
-          </a:p>
-          <a:p>
-            <a:pPr algn="ctr">
-              <a:lnSpc>
-                <a:spcPts val="4899"/>
-              </a:lnSpc>
-            </a:pPr>
-            <a:endParaRPr lang="en-US" sz="3499">
-              <a:solidFill>
-                <a:srgbClr val="000000"/>
-              </a:solidFill>
-              <a:latin typeface="Nunito Bold"/>
-              <a:ea typeface="Nunito Bold"/>
-              <a:cs typeface="Nunito Bold"/>
-              <a:sym typeface="Nunito Bold"/>
-            </a:endParaRPr>
-          </a:p>
-          <a:p>
-            <a:pPr algn="ctr">
-              <a:lnSpc>
-                <a:spcPts val="4899"/>
-              </a:lnSpc>
-            </a:pPr>
-            <a:r>
-              <a:rPr lang="en-US" sz="3499">
-                <a:solidFill>
-                  <a:srgbClr val="000000"/>
-                </a:solidFill>
-                <a:latin typeface="Nunito Bold"/>
-                <a:ea typeface="Nunito Bold"/>
-                <a:cs typeface="Nunito Bold"/>
-                <a:sym typeface="Nunito Bold"/>
-              </a:rPr>
-              <a:t>Donec imperdiet nisl nec magna pellentesque, vitae eleifend odio sodales. Donec aliquet ex bibendum, pellentesque nunc sed, interdum enim.</a:t>
-            </a:r>
-          </a:p>
-        </p:txBody>
-      </p:sp>
-      <p:sp>
-        <p:nvSpPr>
-          <p:cNvPr id="16" name="TextBox 16"/>
-          <p:cNvSpPr txBox="1"/>
-          <p:nvPr/>
-        </p:nvSpPr>
-        <p:spPr>
-          <a:xfrm>
-            <a:off x="514350" y="9217398"/>
-            <a:ext cx="17259300" cy="514350"/>
-          </a:xfrm>
-          <a:prstGeom prst="rect">
-            <a:avLst/>
-          </a:prstGeom>
-        </p:spPr>
-        <p:txBody>
-          <a:bodyPr lIns="0" tIns="0" rIns="0" bIns="0" rtlCol="0" anchor="t">
-            <a:spAutoFit/>
-          </a:bodyPr>
-          <a:lstStyle/>
-          <a:p>
-            <a:pPr algn="ctr">
-              <a:lnSpc>
-                <a:spcPts val="4200"/>
-              </a:lnSpc>
-            </a:pPr>
-            <a:r>
-              <a:rPr lang="en-US" sz="3000">
-                <a:solidFill>
-                  <a:srgbClr val="000000"/>
-                </a:solidFill>
-                <a:latin typeface="Nunito"/>
-                <a:ea typeface="Nunito"/>
-                <a:cs typeface="Nunito"/>
-                <a:sym typeface="Nunito"/>
-              </a:rPr>
-              <a:t>Presentation by Alexander Aronowitz | Business Marketing | 2024 | Rimberio University </a:t>
+              <a:t>INTRODUZIONE </a:t>
             </a:r>
           </a:p>
         </p:txBody>
@@ -9049,7 +9283,589 @@
           </a:blipFill>
         </p:spPr>
       </p:sp>
+      <p:sp>
+        <p:nvSpPr>
+          <p:cNvPr id="20" name="TextBox 12">
+            <a:extLst>
+              <a:ext uri="{FF2B5EF4-FFF2-40B4-BE49-F238E27FC236}">
+                <a16:creationId xmlns:a16="http://schemas.microsoft.com/office/drawing/2014/main" id="{FD0B0991-F4DC-AA6E-D1BB-46B3AC0EE947}"/>
+              </a:ext>
+            </a:extLst>
+          </p:cNvPr>
+          <p:cNvSpPr txBox="1"/>
+          <p:nvPr/>
+        </p:nvSpPr>
+        <p:spPr>
+          <a:xfrm>
+            <a:off x="1028700" y="8962318"/>
+            <a:ext cx="10553700" cy="1057982"/>
+          </a:xfrm>
+          <a:prstGeom prst="rect">
+            <a:avLst/>
+          </a:prstGeom>
+        </p:spPr>
+        <p:txBody>
+          <a:bodyPr wrap="square" lIns="0" tIns="0" rIns="0" bIns="0" rtlCol="0" anchor="t">
+            <a:spAutoFit/>
+          </a:bodyPr>
+          <a:lstStyle/>
+          <a:p>
+            <a:pPr algn="l">
+              <a:lnSpc>
+                <a:spcPts val="4200"/>
+              </a:lnSpc>
+            </a:pPr>
+            <a:r>
+              <a:rPr lang="en-US" sz="3000" b="1" dirty="0">
+                <a:solidFill>
+                  <a:srgbClr val="000000"/>
+                </a:solidFill>
+                <a:latin typeface="Nunito"/>
+                <a:ea typeface="Nunito"/>
+                <a:cs typeface="Nunito"/>
+                <a:sym typeface="Nunito"/>
+              </a:rPr>
+              <a:t>Matteo Fanfarillo – 0316179</a:t>
+            </a:r>
+          </a:p>
+          <a:p>
+            <a:pPr algn="l">
+              <a:lnSpc>
+                <a:spcPts val="4200"/>
+              </a:lnSpc>
+            </a:pPr>
+            <a:r>
+              <a:rPr lang="en-US" sz="3000" b="1" dirty="0">
+                <a:solidFill>
+                  <a:srgbClr val="000000"/>
+                </a:solidFill>
+                <a:latin typeface="Nunito"/>
+                <a:ea typeface="Nunito"/>
+                <a:cs typeface="Nunito"/>
+                <a:sym typeface="Nunito"/>
+              </a:rPr>
+              <a:t>17/07/2024</a:t>
+            </a:r>
+            <a:endParaRPr lang="en-US" sz="3000" dirty="0">
+              <a:solidFill>
+                <a:srgbClr val="000000"/>
+              </a:solidFill>
+              <a:latin typeface="Nunito"/>
+              <a:ea typeface="Nunito"/>
+              <a:cs typeface="Nunito"/>
+              <a:sym typeface="Nunito"/>
+            </a:endParaRPr>
+          </a:p>
+        </p:txBody>
+      </p:sp>
+      <p:sp>
+        <p:nvSpPr>
+          <p:cNvPr id="22" name="Nastro inclinato in basso 21">
+            <a:extLst>
+              <a:ext uri="{FF2B5EF4-FFF2-40B4-BE49-F238E27FC236}">
+                <a16:creationId xmlns:a16="http://schemas.microsoft.com/office/drawing/2014/main" id="{392DD289-489A-B78B-32ED-A58C696E6D95}"/>
+              </a:ext>
+            </a:extLst>
+          </p:cNvPr>
+          <p:cNvSpPr/>
+          <p:nvPr/>
+        </p:nvSpPr>
+        <p:spPr>
+          <a:xfrm>
+            <a:off x="15507375" y="9127142"/>
+            <a:ext cx="2340998" cy="816958"/>
+          </a:xfrm>
+          <a:prstGeom prst="ribbon">
+            <a:avLst/>
+          </a:prstGeom>
+          <a:solidFill>
+            <a:schemeClr val="bg1"/>
+          </a:solidFill>
+          <a:ln>
+            <a:solidFill>
+              <a:schemeClr val="accent3">
+                <a:lumMod val="50000"/>
+              </a:schemeClr>
+            </a:solidFill>
+          </a:ln>
+        </p:spPr>
+        <p:style>
+          <a:lnRef idx="2">
+            <a:schemeClr val="accent1">
+              <a:shade val="15000"/>
+            </a:schemeClr>
+          </a:lnRef>
+          <a:fillRef idx="1">
+            <a:schemeClr val="accent1"/>
+          </a:fillRef>
+          <a:effectRef idx="0">
+            <a:schemeClr val="accent1"/>
+          </a:effectRef>
+          <a:fontRef idx="minor">
+            <a:schemeClr val="lt1"/>
+          </a:fontRef>
+        </p:style>
+        <p:txBody>
+          <a:bodyPr rtlCol="0" anchor="t"/>
+          <a:lstStyle/>
+          <a:p>
+            <a:pPr algn="ctr"/>
+            <a:r>
+              <a:rPr lang="it-IT" sz="3200" dirty="0">
+                <a:solidFill>
+                  <a:schemeClr val="tx1"/>
+                </a:solidFill>
+                <a:latin typeface="Fredoka" panose="020B0604020202020204" charset="0"/>
+              </a:rPr>
+              <a:t>2/30</a:t>
+            </a:r>
+          </a:p>
+          <a:p>
+            <a:pPr algn="ctr"/>
+            <a:endParaRPr lang="it-IT" dirty="0"/>
+          </a:p>
+        </p:txBody>
+      </p:sp>
     </p:spTree>
+    <p:extLst>
+      <p:ext uri="{BB962C8B-B14F-4D97-AF65-F5344CB8AC3E}">
+        <p14:creationId xmlns:p14="http://schemas.microsoft.com/office/powerpoint/2010/main" val="1247134965"/>
+      </p:ext>
+    </p:extLst>
+  </p:cSld>
+  <p:clrMapOvr>
+    <a:masterClrMapping/>
+  </p:clrMapOvr>
+</p:sld>
+</file>
+
+<file path=ppt/slides/slide3.xml><?xml version="1.0" encoding="utf-8"?>
+<p:sld xmlns:a="http://schemas.openxmlformats.org/drawingml/2006/main" xmlns:r="http://schemas.openxmlformats.org/officeDocument/2006/relationships" xmlns:p="http://schemas.openxmlformats.org/presentationml/2006/main">
+  <p:cSld>
+    <p:spTree>
+      <p:nvGrpSpPr>
+        <p:cNvPr id="1" name=""/>
+        <p:cNvGrpSpPr/>
+        <p:nvPr/>
+      </p:nvGrpSpPr>
+      <p:grpSpPr>
+        <a:xfrm>
+          <a:off x="0" y="0"/>
+          <a:ext cx="0" cy="0"/>
+          <a:chOff x="0" y="0"/>
+          <a:chExt cx="0" cy="0"/>
+        </a:xfrm>
+      </p:grpSpPr>
+      <p:grpSp>
+        <p:nvGrpSpPr>
+          <p:cNvPr id="2" name="Group 2"/>
+          <p:cNvGrpSpPr/>
+          <p:nvPr/>
+        </p:nvGrpSpPr>
+        <p:grpSpPr>
+          <a:xfrm>
+            <a:off x="-1109662" y="0"/>
+            <a:ext cx="20507325" cy="10287000"/>
+            <a:chOff x="0" y="0"/>
+            <a:chExt cx="27343100" cy="13716000"/>
+          </a:xfrm>
+        </p:grpSpPr>
+        <p:sp>
+          <p:nvSpPr>
+            <p:cNvPr id="3" name="Freeform 3"/>
+            <p:cNvSpPr/>
+            <p:nvPr/>
+          </p:nvSpPr>
+          <p:spPr>
+            <a:xfrm>
+              <a:off x="0" y="0"/>
+              <a:ext cx="13716000" cy="13716000"/>
+            </a:xfrm>
+            <a:custGeom>
+              <a:avLst/>
+              <a:gdLst/>
+              <a:ahLst/>
+              <a:cxnLst/>
+              <a:rect l="l" t="t" r="r" b="b"/>
+              <a:pathLst>
+                <a:path w="13716000" h="13716000">
+                  <a:moveTo>
+                    <a:pt x="0" y="0"/>
+                  </a:moveTo>
+                  <a:lnTo>
+                    <a:pt x="13716000" y="0"/>
+                  </a:lnTo>
+                  <a:lnTo>
+                    <a:pt x="13716000" y="13716000"/>
+                  </a:lnTo>
+                  <a:lnTo>
+                    <a:pt x="0" y="13716000"/>
+                  </a:lnTo>
+                  <a:lnTo>
+                    <a:pt x="0" y="0"/>
+                  </a:lnTo>
+                  <a:close/>
+                </a:path>
+              </a:pathLst>
+            </a:custGeom>
+            <a:blipFill>
+              <a:blip r:embed="rId2">
+                <a:alphaModFix amt="0"/>
+                <a:extLst>
+                  <a:ext uri="{96DAC541-7B7A-43D3-8B79-37D633B846F1}">
+                    <asvg:svgBlip xmlns:asvg="http://schemas.microsoft.com/office/drawing/2016/SVG/main" r:embed="rId3"/>
+                  </a:ext>
+                </a:extLst>
+              </a:blip>
+              <a:stretch>
+                <a:fillRect/>
+              </a:stretch>
+            </a:blipFill>
+          </p:spPr>
+        </p:sp>
+        <p:sp>
+          <p:nvSpPr>
+            <p:cNvPr id="4" name="Freeform 4"/>
+            <p:cNvSpPr/>
+            <p:nvPr/>
+          </p:nvSpPr>
+          <p:spPr>
+            <a:xfrm>
+              <a:off x="13627100" y="0"/>
+              <a:ext cx="13716000" cy="13716000"/>
+            </a:xfrm>
+            <a:custGeom>
+              <a:avLst/>
+              <a:gdLst/>
+              <a:ahLst/>
+              <a:cxnLst/>
+              <a:rect l="l" t="t" r="r" b="b"/>
+              <a:pathLst>
+                <a:path w="13716000" h="13716000">
+                  <a:moveTo>
+                    <a:pt x="0" y="0"/>
+                  </a:moveTo>
+                  <a:lnTo>
+                    <a:pt x="13716000" y="0"/>
+                  </a:lnTo>
+                  <a:lnTo>
+                    <a:pt x="13716000" y="13716000"/>
+                  </a:lnTo>
+                  <a:lnTo>
+                    <a:pt x="0" y="13716000"/>
+                  </a:lnTo>
+                  <a:lnTo>
+                    <a:pt x="0" y="0"/>
+                  </a:lnTo>
+                  <a:close/>
+                </a:path>
+              </a:pathLst>
+            </a:custGeom>
+            <a:blipFill>
+              <a:blip r:embed="rId2">
+                <a:alphaModFix amt="0"/>
+                <a:extLst>
+                  <a:ext uri="{96DAC541-7B7A-43D3-8B79-37D633B846F1}">
+                    <asvg:svgBlip xmlns:asvg="http://schemas.microsoft.com/office/drawing/2016/SVG/main" r:embed="rId3"/>
+                  </a:ext>
+                </a:extLst>
+              </a:blip>
+              <a:stretch>
+                <a:fillRect/>
+              </a:stretch>
+            </a:blipFill>
+          </p:spPr>
+        </p:sp>
+      </p:grpSp>
+      <p:grpSp>
+        <p:nvGrpSpPr>
+          <p:cNvPr id="5" name="Group 5"/>
+          <p:cNvGrpSpPr/>
+          <p:nvPr/>
+        </p:nvGrpSpPr>
+        <p:grpSpPr>
+          <a:xfrm>
+            <a:off x="-576611" y="8353252"/>
+            <a:ext cx="19974273" cy="1420979"/>
+            <a:chOff x="0" y="0"/>
+            <a:chExt cx="5260714" cy="374250"/>
+          </a:xfrm>
+        </p:grpSpPr>
+        <p:sp>
+          <p:nvSpPr>
+            <p:cNvPr id="6" name="Freeform 6"/>
+            <p:cNvSpPr/>
+            <p:nvPr/>
+          </p:nvSpPr>
+          <p:spPr>
+            <a:xfrm>
+              <a:off x="0" y="0"/>
+              <a:ext cx="5260714" cy="374250"/>
+            </a:xfrm>
+            <a:custGeom>
+              <a:avLst/>
+              <a:gdLst/>
+              <a:ahLst/>
+              <a:cxnLst/>
+              <a:rect l="l" t="t" r="r" b="b"/>
+              <a:pathLst>
+                <a:path w="5260714" h="374250">
+                  <a:moveTo>
+                    <a:pt x="0" y="0"/>
+                  </a:moveTo>
+                  <a:lnTo>
+                    <a:pt x="5260714" y="0"/>
+                  </a:lnTo>
+                  <a:lnTo>
+                    <a:pt x="5260714" y="374250"/>
+                  </a:lnTo>
+                  <a:lnTo>
+                    <a:pt x="0" y="374250"/>
+                  </a:lnTo>
+                  <a:close/>
+                </a:path>
+              </a:pathLst>
+            </a:custGeom>
+            <a:solidFill>
+              <a:srgbClr val="B2E69D"/>
+            </a:solidFill>
+          </p:spPr>
+        </p:sp>
+        <p:sp>
+          <p:nvSpPr>
+            <p:cNvPr id="7" name="TextBox 7"/>
+            <p:cNvSpPr txBox="1"/>
+            <p:nvPr/>
+          </p:nvSpPr>
+          <p:spPr>
+            <a:xfrm>
+              <a:off x="0" y="-38100"/>
+              <a:ext cx="5260714" cy="412350"/>
+            </a:xfrm>
+            <a:prstGeom prst="rect">
+              <a:avLst/>
+            </a:prstGeom>
+          </p:spPr>
+          <p:txBody>
+            <a:bodyPr lIns="50800" tIns="50800" rIns="50800" bIns="50800" rtlCol="0" anchor="ctr"/>
+            <a:lstStyle/>
+            <a:p>
+              <a:pPr algn="ctr">
+                <a:lnSpc>
+                  <a:spcPts val="2659"/>
+                </a:lnSpc>
+                <a:spcBef>
+                  <a:spcPct val="0"/>
+                </a:spcBef>
+              </a:pPr>
+              <a:endParaRPr/>
+            </a:p>
+          </p:txBody>
+        </p:sp>
+      </p:grpSp>
+      <p:sp>
+        <p:nvSpPr>
+          <p:cNvPr id="8" name="Freeform 8"/>
+          <p:cNvSpPr/>
+          <p:nvPr/>
+        </p:nvSpPr>
+        <p:spPr>
+          <a:xfrm>
+            <a:off x="2116949" y="1896628"/>
+            <a:ext cx="2942276" cy="2942276"/>
+          </a:xfrm>
+          <a:custGeom>
+            <a:avLst/>
+            <a:gdLst/>
+            <a:ahLst/>
+            <a:cxnLst/>
+            <a:rect l="l" t="t" r="r" b="b"/>
+            <a:pathLst>
+              <a:path w="2942276" h="2942276">
+                <a:moveTo>
+                  <a:pt x="0" y="0"/>
+                </a:moveTo>
+                <a:lnTo>
+                  <a:pt x="2942276" y="0"/>
+                </a:lnTo>
+                <a:lnTo>
+                  <a:pt x="2942276" y="2942276"/>
+                </a:lnTo>
+                <a:lnTo>
+                  <a:pt x="0" y="2942276"/>
+                </a:lnTo>
+                <a:lnTo>
+                  <a:pt x="0" y="0"/>
+                </a:lnTo>
+                <a:close/>
+              </a:path>
+            </a:pathLst>
+          </a:custGeom>
+          <a:blipFill>
+            <a:blip r:embed="rId4">
+              <a:extLst>
+                <a:ext uri="{96DAC541-7B7A-43D3-8B79-37D633B846F1}">
+                  <asvg:svgBlip xmlns:asvg="http://schemas.microsoft.com/office/drawing/2016/SVG/main" r:embed="rId5"/>
+                </a:ext>
+              </a:extLst>
+            </a:blip>
+            <a:stretch>
+              <a:fillRect/>
+            </a:stretch>
+          </a:blipFill>
+        </p:spPr>
+      </p:sp>
+      <p:sp>
+        <p:nvSpPr>
+          <p:cNvPr id="9" name="Freeform 9"/>
+          <p:cNvSpPr/>
+          <p:nvPr/>
+        </p:nvSpPr>
+        <p:spPr>
+          <a:xfrm>
+            <a:off x="12399945" y="6010601"/>
+            <a:ext cx="3395204" cy="1049427"/>
+          </a:xfrm>
+          <a:custGeom>
+            <a:avLst/>
+            <a:gdLst/>
+            <a:ahLst/>
+            <a:cxnLst/>
+            <a:rect l="l" t="t" r="r" b="b"/>
+            <a:pathLst>
+              <a:path w="3395204" h="1049427">
+                <a:moveTo>
+                  <a:pt x="0" y="0"/>
+                </a:moveTo>
+                <a:lnTo>
+                  <a:pt x="3395204" y="0"/>
+                </a:lnTo>
+                <a:lnTo>
+                  <a:pt x="3395204" y="1049427"/>
+                </a:lnTo>
+                <a:lnTo>
+                  <a:pt x="0" y="1049427"/>
+                </a:lnTo>
+                <a:lnTo>
+                  <a:pt x="0" y="0"/>
+                </a:lnTo>
+                <a:close/>
+              </a:path>
+            </a:pathLst>
+          </a:custGeom>
+          <a:blipFill>
+            <a:blip r:embed="rId6">
+              <a:extLst>
+                <a:ext uri="{96DAC541-7B7A-43D3-8B79-37D633B846F1}">
+                  <asvg:svgBlip xmlns:asvg="http://schemas.microsoft.com/office/drawing/2016/SVG/main" r:embed="rId7"/>
+                </a:ext>
+              </a:extLst>
+            </a:blip>
+            <a:stretch>
+              <a:fillRect/>
+            </a:stretch>
+          </a:blipFill>
+        </p:spPr>
+      </p:sp>
+      <p:sp>
+        <p:nvSpPr>
+          <p:cNvPr id="10" name="TextBox 10"/>
+          <p:cNvSpPr txBox="1"/>
+          <p:nvPr/>
+        </p:nvSpPr>
+        <p:spPr>
+          <a:xfrm>
+            <a:off x="1668631" y="2924194"/>
+            <a:ext cx="14950738" cy="3589957"/>
+          </a:xfrm>
+          <a:prstGeom prst="rect">
+            <a:avLst/>
+          </a:prstGeom>
+        </p:spPr>
+        <p:txBody>
+          <a:bodyPr lIns="0" tIns="0" rIns="0" bIns="0" rtlCol="0" anchor="t">
+            <a:spAutoFit/>
+          </a:bodyPr>
+          <a:lstStyle/>
+          <a:p>
+            <a:pPr algn="ctr">
+              <a:lnSpc>
+                <a:spcPts val="14620"/>
+              </a:lnSpc>
+            </a:pPr>
+            <a:r>
+              <a:rPr lang="en-US" sz="10443" dirty="0">
+                <a:solidFill>
+                  <a:srgbClr val="000000"/>
+                </a:solidFill>
+                <a:latin typeface="Fredoka"/>
+                <a:ea typeface="Fredoka"/>
+                <a:cs typeface="Fredoka"/>
+                <a:sym typeface="Fredoka"/>
+              </a:rPr>
+              <a:t>SLIDE VUOTA PER SPEZZARE</a:t>
+            </a:r>
+          </a:p>
+        </p:txBody>
+      </p:sp>
+      <p:sp>
+        <p:nvSpPr>
+          <p:cNvPr id="14" name="Freeform 14"/>
+          <p:cNvSpPr/>
+          <p:nvPr/>
+        </p:nvSpPr>
+        <p:spPr>
+          <a:xfrm>
+            <a:off x="17216912" y="-911620"/>
+            <a:ext cx="2942276" cy="2942276"/>
+          </a:xfrm>
+          <a:custGeom>
+            <a:avLst/>
+            <a:gdLst/>
+            <a:ahLst/>
+            <a:cxnLst/>
+            <a:rect l="l" t="t" r="r" b="b"/>
+            <a:pathLst>
+              <a:path w="2942276" h="2942276">
+                <a:moveTo>
+                  <a:pt x="0" y="0"/>
+                </a:moveTo>
+                <a:lnTo>
+                  <a:pt x="2942276" y="0"/>
+                </a:lnTo>
+                <a:lnTo>
+                  <a:pt x="2942276" y="2942276"/>
+                </a:lnTo>
+                <a:lnTo>
+                  <a:pt x="0" y="2942276"/>
+                </a:lnTo>
+                <a:lnTo>
+                  <a:pt x="0" y="0"/>
+                </a:lnTo>
+                <a:close/>
+              </a:path>
+            </a:pathLst>
+          </a:custGeom>
+          <a:blipFill>
+            <a:blip r:embed="rId4">
+              <a:extLst>
+                <a:ext uri="{96DAC541-7B7A-43D3-8B79-37D633B846F1}">
+                  <asvg:svgBlip xmlns:asvg="http://schemas.microsoft.com/office/drawing/2016/SVG/main" r:embed="rId5"/>
+                </a:ext>
+              </a:extLst>
+            </a:blip>
+            <a:stretch>
+              <a:fillRect/>
+            </a:stretch>
+          </a:blipFill>
+        </p:spPr>
+      </p:sp>
+    </p:spTree>
+    <p:extLst>
+      <p:ext uri="{BB962C8B-B14F-4D97-AF65-F5344CB8AC3E}">
+        <p14:creationId xmlns:p14="http://schemas.microsoft.com/office/powerpoint/2010/main" val="3648146637"/>
+      </p:ext>
+    </p:extLst>
   </p:cSld>
   <p:clrMapOvr>
     <a:masterClrMapping/>
@@ -9468,6 +10284,47 @@
         </p:nvSpPr>
         <p:spPr>
           <a:xfrm>
+            <a:off x="4543721" y="904875"/>
+            <a:ext cx="9200557" cy="1125781"/>
+          </a:xfrm>
+          <a:prstGeom prst="rect">
+            <a:avLst/>
+          </a:prstGeom>
+        </p:spPr>
+        <p:txBody>
+          <a:bodyPr lIns="0" tIns="0" rIns="0" bIns="0" rtlCol="0" anchor="t">
+            <a:spAutoFit/>
+          </a:bodyPr>
+          <a:lstStyle/>
+          <a:p>
+            <a:pPr algn="ctr">
+              <a:lnSpc>
+                <a:spcPts val="9250"/>
+              </a:lnSpc>
+            </a:pPr>
+            <a:r>
+              <a:rPr lang="en-US" sz="6607">
+                <a:solidFill>
+                  <a:srgbClr val="000000"/>
+                </a:solidFill>
+                <a:latin typeface="Fredoka"/>
+                <a:ea typeface="Fredoka"/>
+                <a:cs typeface="Fredoka"/>
+                <a:sym typeface="Fredoka"/>
+              </a:rPr>
+              <a:t>INTRODUCTION </a:t>
+            </a:r>
+          </a:p>
+        </p:txBody>
+      </p:sp>
+      <p:sp>
+        <p:nvSpPr>
+          <p:cNvPr id="15" name="TextBox 15"/>
+          <p:cNvSpPr txBox="1"/>
+          <p:nvPr/>
+        </p:nvSpPr>
+        <p:spPr>
+          <a:xfrm>
             <a:off x="2246042" y="3205755"/>
             <a:ext cx="13795916" cy="4302125"/>
           </a:xfrm>
@@ -10234,14 +11091,55 @@
       </p:sp>
       <p:sp>
         <p:nvSpPr>
-          <p:cNvPr id="15" name="Freeform 15"/>
+          <p:cNvPr id="16" name="TextBox 16"/>
+          <p:cNvSpPr txBox="1"/>
+          <p:nvPr/>
+        </p:nvSpPr>
+        <p:spPr>
+          <a:xfrm>
+            <a:off x="514350" y="9217398"/>
+            <a:ext cx="17259300" cy="514350"/>
+          </a:xfrm>
+          <a:prstGeom prst="rect">
+            <a:avLst/>
+          </a:prstGeom>
+        </p:spPr>
+        <p:txBody>
+          <a:bodyPr lIns="0" tIns="0" rIns="0" bIns="0" rtlCol="0" anchor="t">
+            <a:spAutoFit/>
+          </a:bodyPr>
+          <a:lstStyle/>
+          <a:p>
+            <a:pPr algn="ctr">
+              <a:lnSpc>
+                <a:spcPts val="4200"/>
+              </a:lnSpc>
+            </a:pPr>
+            <a:r>
+              <a:rPr lang="en-US" sz="3000">
+                <a:solidFill>
+                  <a:srgbClr val="000000"/>
+                </a:solidFill>
+                <a:latin typeface="Nunito"/>
+                <a:ea typeface="Nunito"/>
+                <a:cs typeface="Nunito"/>
+                <a:sym typeface="Nunito"/>
+              </a:rPr>
+              <a:t>Presentation by Alexander Aronowitz | Business Marketing | 2024 | Rimberio University </a:t>
+            </a:r>
+          </a:p>
+        </p:txBody>
+      </p:sp>
+      <p:sp>
+        <p:nvSpPr>
+          <p:cNvPr id="17" name="Freeform 17"/>
           <p:cNvSpPr/>
           <p:nvPr/>
         </p:nvSpPr>
         <p:spPr>
           <a:xfrm>
-            <a:off x="15824275" y="6533193"/>
-            <a:ext cx="1949375" cy="1949375"/>
+            <a:off x="-1109662" y="-911620"/>
+            <a:ext cx="2942276" cy="2942276"/>
           </a:xfrm>
           <a:custGeom>
             <a:avLst/>
@@ -10250,18 +11148,18 @@
             <a:cxnLst/>
             <a:rect l="l" t="t" r="r" b="b"/>
             <a:pathLst>
-              <a:path w="1949375" h="1949375">
+              <a:path w="2942276" h="2942276">
                 <a:moveTo>
                   <a:pt x="0" y="0"/>
                 </a:moveTo>
                 <a:lnTo>
-                  <a:pt x="1949375" y="0"/>
+                  <a:pt x="2942276" y="0"/>
                 </a:lnTo>
                 <a:lnTo>
-                  <a:pt x="1949375" y="1949375"/>
+                  <a:pt x="2942276" y="2942276"/>
                 </a:lnTo>
                 <a:lnTo>
-                  <a:pt x="0" y="1949375"/>
+                  <a:pt x="0" y="2942276"/>
                 </a:lnTo>
                 <a:lnTo>
                   <a:pt x="0" y="0"/>
@@ -10286,13 +11184,13 @@
       </p:sp>
       <p:sp>
         <p:nvSpPr>
-          <p:cNvPr id="16" name="Freeform 16"/>
+          <p:cNvPr id="18" name="Freeform 18"/>
           <p:cNvSpPr/>
           <p:nvPr/>
         </p:nvSpPr>
         <p:spPr>
           <a:xfrm>
-            <a:off x="-668902" y="1028700"/>
+            <a:off x="16590398" y="6983167"/>
             <a:ext cx="3395204" cy="1049427"/>
           </a:xfrm>
           <a:custGeom>
@@ -10335,136 +11233,6 @@
             </a:stretch>
           </a:blipFill>
         </p:spPr>
-      </p:sp>
-      <p:sp>
-        <p:nvSpPr>
-          <p:cNvPr id="17" name="TextBox 17"/>
-          <p:cNvSpPr txBox="1"/>
-          <p:nvPr/>
-        </p:nvSpPr>
-        <p:spPr>
-          <a:xfrm>
-            <a:off x="4543721" y="904875"/>
-            <a:ext cx="9200557" cy="1125781"/>
-          </a:xfrm>
-          <a:prstGeom prst="rect">
-            <a:avLst/>
-          </a:prstGeom>
-        </p:spPr>
-        <p:txBody>
-          <a:bodyPr lIns="0" tIns="0" rIns="0" bIns="0" rtlCol="0" anchor="t">
-            <a:spAutoFit/>
-          </a:bodyPr>
-          <a:lstStyle/>
-          <a:p>
-            <a:pPr algn="ctr">
-              <a:lnSpc>
-                <a:spcPts val="9250"/>
-              </a:lnSpc>
-            </a:pPr>
-            <a:r>
-              <a:rPr lang="en-US" sz="6607">
-                <a:solidFill>
-                  <a:srgbClr val="000000"/>
-                </a:solidFill>
-                <a:latin typeface="Fredoka"/>
-                <a:ea typeface="Fredoka"/>
-                <a:cs typeface="Fredoka"/>
-                <a:sym typeface="Fredoka"/>
-              </a:rPr>
-              <a:t>BACKGROUND </a:t>
-            </a:r>
-          </a:p>
-        </p:txBody>
-      </p:sp>
-      <p:sp>
-        <p:nvSpPr>
-          <p:cNvPr id="18" name="TextBox 18"/>
-          <p:cNvSpPr txBox="1"/>
-          <p:nvPr/>
-        </p:nvSpPr>
-        <p:spPr>
-          <a:xfrm>
-            <a:off x="514350" y="9217398"/>
-            <a:ext cx="17259300" cy="514350"/>
-          </a:xfrm>
-          <a:prstGeom prst="rect">
-            <a:avLst/>
-          </a:prstGeom>
-        </p:spPr>
-        <p:txBody>
-          <a:bodyPr lIns="0" tIns="0" rIns="0" bIns="0" rtlCol="0" anchor="t">
-            <a:spAutoFit/>
-          </a:bodyPr>
-          <a:lstStyle/>
-          <a:p>
-            <a:pPr algn="ctr">
-              <a:lnSpc>
-                <a:spcPts val="4200"/>
-              </a:lnSpc>
-            </a:pPr>
-            <a:r>
-              <a:rPr lang="en-US" sz="3000" dirty="0">
-                <a:solidFill>
-                  <a:srgbClr val="000000"/>
-                </a:solidFill>
-                <a:latin typeface="Nunito"/>
-                <a:ea typeface="Nunito"/>
-                <a:cs typeface="Nunito"/>
-                <a:sym typeface="Nunito"/>
-              </a:rPr>
-              <a:t>Presentation by Alexander </a:t>
-            </a:r>
-            <a:r>
-              <a:rPr lang="en-US" sz="3000" dirty="0" err="1">
-                <a:solidFill>
-                  <a:srgbClr val="000000"/>
-                </a:solidFill>
-                <a:latin typeface="Nunito"/>
-                <a:ea typeface="Nunito"/>
-                <a:cs typeface="Nunito"/>
-                <a:sym typeface="Nunito"/>
-              </a:rPr>
-              <a:t>Aronowitz</a:t>
-            </a:r>
-            <a:r>
-              <a:rPr lang="en-US" sz="3000" dirty="0">
-                <a:solidFill>
-                  <a:srgbClr val="000000"/>
-                </a:solidFill>
-                <a:latin typeface="Nunito"/>
-                <a:ea typeface="Nunito"/>
-                <a:cs typeface="Nunito"/>
-                <a:sym typeface="Nunito"/>
-              </a:rPr>
-              <a:t> | Business Marketing | 2024 | </a:t>
-            </a:r>
-            <a:r>
-              <a:rPr lang="en-US" sz="3000" dirty="0" err="1">
-                <a:solidFill>
-                  <a:srgbClr val="000000"/>
-                </a:solidFill>
-                <a:latin typeface="Nunito"/>
-                <a:ea typeface="Nunito"/>
-                <a:cs typeface="Nunito"/>
-                <a:sym typeface="Nunito"/>
-              </a:rPr>
-              <a:t>Rimberio</a:t>
-            </a:r>
-            <a:r>
-              <a:rPr lang="en-US" sz="3000" dirty="0">
-                <a:solidFill>
-                  <a:srgbClr val="000000"/>
-                </a:solidFill>
-                <a:latin typeface="Nunito"/>
-                <a:ea typeface="Nunito"/>
-                <a:cs typeface="Nunito"/>
-                <a:sym typeface="Nunito"/>
-              </a:rPr>
-              <a:t> University </a:t>
-            </a:r>
-          </a:p>
-        </p:txBody>
       </p:sp>
     </p:spTree>
   </p:cSld>
@@ -10877,6 +11645,1423 @@
           </p:txBody>
         </p:sp>
       </p:grpSp>
+      <p:sp>
+        <p:nvSpPr>
+          <p:cNvPr id="14" name="TextBox 14"/>
+          <p:cNvSpPr txBox="1"/>
+          <p:nvPr/>
+        </p:nvSpPr>
+        <p:spPr>
+          <a:xfrm>
+            <a:off x="2246042" y="3205755"/>
+            <a:ext cx="13795916" cy="4302125"/>
+          </a:xfrm>
+          <a:prstGeom prst="rect">
+            <a:avLst/>
+          </a:prstGeom>
+        </p:spPr>
+        <p:txBody>
+          <a:bodyPr lIns="0" tIns="0" rIns="0" bIns="0" rtlCol="0" anchor="t">
+            <a:spAutoFit/>
+          </a:bodyPr>
+          <a:lstStyle/>
+          <a:p>
+            <a:pPr algn="ctr">
+              <a:lnSpc>
+                <a:spcPts val="4899"/>
+              </a:lnSpc>
+            </a:pPr>
+            <a:r>
+              <a:rPr lang="en-US" sz="3499" dirty="0">
+                <a:solidFill>
+                  <a:srgbClr val="000000"/>
+                </a:solidFill>
+                <a:latin typeface="Nunito Bold"/>
+                <a:ea typeface="Nunito Bold"/>
+                <a:cs typeface="Nunito Bold"/>
+                <a:sym typeface="Nunito Bold"/>
+              </a:rPr>
+              <a:t>Lorem ipsum dolor sit </a:t>
+            </a:r>
+            <a:r>
+              <a:rPr lang="en-US" sz="3499" dirty="0" err="1">
+                <a:solidFill>
+                  <a:srgbClr val="000000"/>
+                </a:solidFill>
+                <a:latin typeface="Nunito Bold"/>
+                <a:ea typeface="Nunito Bold"/>
+                <a:cs typeface="Nunito Bold"/>
+                <a:sym typeface="Nunito Bold"/>
+              </a:rPr>
+              <a:t>amet</a:t>
+            </a:r>
+            <a:r>
+              <a:rPr lang="en-US" sz="3499" dirty="0">
+                <a:solidFill>
+                  <a:srgbClr val="000000"/>
+                </a:solidFill>
+                <a:latin typeface="Nunito Bold"/>
+                <a:ea typeface="Nunito Bold"/>
+                <a:cs typeface="Nunito Bold"/>
+                <a:sym typeface="Nunito Bold"/>
+              </a:rPr>
+              <a:t>, </a:t>
+            </a:r>
+            <a:r>
+              <a:rPr lang="en-US" sz="3499" dirty="0" err="1">
+                <a:solidFill>
+                  <a:srgbClr val="000000"/>
+                </a:solidFill>
+                <a:latin typeface="Nunito Bold"/>
+                <a:ea typeface="Nunito Bold"/>
+                <a:cs typeface="Nunito Bold"/>
+                <a:sym typeface="Nunito Bold"/>
+              </a:rPr>
+              <a:t>consectetur</a:t>
+            </a:r>
+            <a:r>
+              <a:rPr lang="en-US" sz="3499" dirty="0">
+                <a:solidFill>
+                  <a:srgbClr val="000000"/>
+                </a:solidFill>
+                <a:latin typeface="Nunito Bold"/>
+                <a:ea typeface="Nunito Bold"/>
+                <a:cs typeface="Nunito Bold"/>
+                <a:sym typeface="Nunito Bold"/>
+              </a:rPr>
+              <a:t> </a:t>
+            </a:r>
+            <a:r>
+              <a:rPr lang="en-US" sz="3499" dirty="0" err="1">
+                <a:solidFill>
+                  <a:srgbClr val="000000"/>
+                </a:solidFill>
+                <a:latin typeface="Nunito Bold"/>
+                <a:ea typeface="Nunito Bold"/>
+                <a:cs typeface="Nunito Bold"/>
+                <a:sym typeface="Nunito Bold"/>
+              </a:rPr>
+              <a:t>adipiscing</a:t>
+            </a:r>
+            <a:r>
+              <a:rPr lang="en-US" sz="3499" dirty="0">
+                <a:solidFill>
+                  <a:srgbClr val="000000"/>
+                </a:solidFill>
+                <a:latin typeface="Nunito Bold"/>
+                <a:ea typeface="Nunito Bold"/>
+                <a:cs typeface="Nunito Bold"/>
+                <a:sym typeface="Nunito Bold"/>
+              </a:rPr>
+              <a:t> </a:t>
+            </a:r>
+            <a:r>
+              <a:rPr lang="en-US" sz="3499" dirty="0" err="1">
+                <a:solidFill>
+                  <a:srgbClr val="000000"/>
+                </a:solidFill>
+                <a:latin typeface="Nunito Bold"/>
+                <a:ea typeface="Nunito Bold"/>
+                <a:cs typeface="Nunito Bold"/>
+                <a:sym typeface="Nunito Bold"/>
+              </a:rPr>
+              <a:t>elit</a:t>
+            </a:r>
+            <a:r>
+              <a:rPr lang="en-US" sz="3499" dirty="0">
+                <a:solidFill>
+                  <a:srgbClr val="000000"/>
+                </a:solidFill>
+                <a:latin typeface="Nunito Bold"/>
+                <a:ea typeface="Nunito Bold"/>
+                <a:cs typeface="Nunito Bold"/>
+                <a:sym typeface="Nunito Bold"/>
+              </a:rPr>
+              <a:t>. Morbi vitae </a:t>
+            </a:r>
+            <a:r>
+              <a:rPr lang="en-US" sz="3499" dirty="0" err="1">
+                <a:solidFill>
+                  <a:srgbClr val="000000"/>
+                </a:solidFill>
+                <a:latin typeface="Nunito Bold"/>
+                <a:ea typeface="Nunito Bold"/>
+                <a:cs typeface="Nunito Bold"/>
+                <a:sym typeface="Nunito Bold"/>
+              </a:rPr>
+              <a:t>mauris</a:t>
+            </a:r>
+            <a:r>
+              <a:rPr lang="en-US" sz="3499" dirty="0">
+                <a:solidFill>
+                  <a:srgbClr val="000000"/>
+                </a:solidFill>
+                <a:latin typeface="Nunito Bold"/>
+                <a:ea typeface="Nunito Bold"/>
+                <a:cs typeface="Nunito Bold"/>
+                <a:sym typeface="Nunito Bold"/>
+              </a:rPr>
+              <a:t> </a:t>
+            </a:r>
+            <a:r>
+              <a:rPr lang="en-US" sz="3499" dirty="0" err="1">
+                <a:solidFill>
+                  <a:srgbClr val="000000"/>
+                </a:solidFill>
+                <a:latin typeface="Nunito Bold"/>
+                <a:ea typeface="Nunito Bold"/>
+                <a:cs typeface="Nunito Bold"/>
+                <a:sym typeface="Nunito Bold"/>
+              </a:rPr>
+              <a:t>ut</a:t>
+            </a:r>
+            <a:r>
+              <a:rPr lang="en-US" sz="3499" dirty="0">
+                <a:solidFill>
+                  <a:srgbClr val="000000"/>
+                </a:solidFill>
+                <a:latin typeface="Nunito Bold"/>
+                <a:ea typeface="Nunito Bold"/>
+                <a:cs typeface="Nunito Bold"/>
+                <a:sym typeface="Nunito Bold"/>
+              </a:rPr>
+              <a:t> </a:t>
+            </a:r>
+            <a:r>
+              <a:rPr lang="en-US" sz="3499" dirty="0" err="1">
+                <a:solidFill>
+                  <a:srgbClr val="000000"/>
+                </a:solidFill>
+                <a:latin typeface="Nunito Bold"/>
+                <a:ea typeface="Nunito Bold"/>
+                <a:cs typeface="Nunito Bold"/>
+                <a:sym typeface="Nunito Bold"/>
+              </a:rPr>
+              <a:t>nunc</a:t>
+            </a:r>
+            <a:r>
+              <a:rPr lang="en-US" sz="3499" dirty="0">
+                <a:solidFill>
+                  <a:srgbClr val="000000"/>
+                </a:solidFill>
+                <a:latin typeface="Nunito Bold"/>
+                <a:ea typeface="Nunito Bold"/>
+                <a:cs typeface="Nunito Bold"/>
+                <a:sym typeface="Nunito Bold"/>
+              </a:rPr>
+              <a:t> </a:t>
+            </a:r>
+            <a:r>
+              <a:rPr lang="en-US" sz="3499" dirty="0" err="1">
+                <a:solidFill>
+                  <a:srgbClr val="000000"/>
+                </a:solidFill>
+                <a:latin typeface="Nunito Bold"/>
+                <a:ea typeface="Nunito Bold"/>
+                <a:cs typeface="Nunito Bold"/>
+                <a:sym typeface="Nunito Bold"/>
+              </a:rPr>
+              <a:t>feugiat</a:t>
+            </a:r>
+            <a:r>
+              <a:rPr lang="en-US" sz="3499" dirty="0">
+                <a:solidFill>
+                  <a:srgbClr val="000000"/>
+                </a:solidFill>
+                <a:latin typeface="Nunito Bold"/>
+                <a:ea typeface="Nunito Bold"/>
+                <a:cs typeface="Nunito Bold"/>
+                <a:sym typeface="Nunito Bold"/>
+              </a:rPr>
+              <a:t> </a:t>
+            </a:r>
+            <a:r>
+              <a:rPr lang="en-US" sz="3499" dirty="0" err="1">
+                <a:solidFill>
+                  <a:srgbClr val="000000"/>
+                </a:solidFill>
+                <a:latin typeface="Nunito Bold"/>
+                <a:ea typeface="Nunito Bold"/>
+                <a:cs typeface="Nunito Bold"/>
+                <a:sym typeface="Nunito Bold"/>
+              </a:rPr>
+              <a:t>tincidunt</a:t>
+            </a:r>
+            <a:r>
+              <a:rPr lang="en-US" sz="3499" dirty="0">
+                <a:solidFill>
+                  <a:srgbClr val="000000"/>
+                </a:solidFill>
+                <a:latin typeface="Nunito Bold"/>
+                <a:ea typeface="Nunito Bold"/>
+                <a:cs typeface="Nunito Bold"/>
+                <a:sym typeface="Nunito Bold"/>
+              </a:rPr>
+              <a:t> ac et </a:t>
+            </a:r>
+            <a:r>
+              <a:rPr lang="en-US" sz="3499" dirty="0" err="1">
+                <a:solidFill>
+                  <a:srgbClr val="000000"/>
+                </a:solidFill>
+                <a:latin typeface="Nunito Bold"/>
+                <a:ea typeface="Nunito Bold"/>
+                <a:cs typeface="Nunito Bold"/>
+                <a:sym typeface="Nunito Bold"/>
+              </a:rPr>
+              <a:t>purus</a:t>
+            </a:r>
+            <a:r>
+              <a:rPr lang="en-US" sz="3499" dirty="0">
+                <a:solidFill>
+                  <a:srgbClr val="000000"/>
+                </a:solidFill>
+                <a:latin typeface="Nunito Bold"/>
+                <a:ea typeface="Nunito Bold"/>
+                <a:cs typeface="Nunito Bold"/>
+                <a:sym typeface="Nunito Bold"/>
+              </a:rPr>
+              <a:t>. </a:t>
+            </a:r>
+            <a:r>
+              <a:rPr lang="en-US" sz="3499" dirty="0" err="1">
+                <a:solidFill>
+                  <a:srgbClr val="000000"/>
+                </a:solidFill>
+                <a:latin typeface="Nunito Bold"/>
+                <a:ea typeface="Nunito Bold"/>
+                <a:cs typeface="Nunito Bold"/>
+                <a:sym typeface="Nunito Bold"/>
+              </a:rPr>
+              <a:t>Suspendisse</a:t>
+            </a:r>
+            <a:r>
+              <a:rPr lang="en-US" sz="3499" dirty="0">
+                <a:solidFill>
+                  <a:srgbClr val="000000"/>
+                </a:solidFill>
+                <a:latin typeface="Nunito Bold"/>
+                <a:ea typeface="Nunito Bold"/>
+                <a:cs typeface="Nunito Bold"/>
+                <a:sym typeface="Nunito Bold"/>
+              </a:rPr>
+              <a:t> et cursus dui. </a:t>
+            </a:r>
+            <a:r>
+              <a:rPr lang="en-US" sz="3499" dirty="0" err="1">
+                <a:solidFill>
+                  <a:srgbClr val="000000"/>
+                </a:solidFill>
+                <a:latin typeface="Nunito Bold"/>
+                <a:ea typeface="Nunito Bold"/>
+                <a:cs typeface="Nunito Bold"/>
+                <a:sym typeface="Nunito Bold"/>
+              </a:rPr>
+              <a:t>Vivamus</a:t>
+            </a:r>
+            <a:r>
+              <a:rPr lang="en-US" sz="3499" dirty="0">
+                <a:solidFill>
+                  <a:srgbClr val="000000"/>
+                </a:solidFill>
+                <a:latin typeface="Nunito Bold"/>
+                <a:ea typeface="Nunito Bold"/>
+                <a:cs typeface="Nunito Bold"/>
+                <a:sym typeface="Nunito Bold"/>
+              </a:rPr>
+              <a:t> lacinia </a:t>
+            </a:r>
+            <a:r>
+              <a:rPr lang="en-US" sz="3499" dirty="0" err="1">
+                <a:solidFill>
+                  <a:srgbClr val="000000"/>
+                </a:solidFill>
+                <a:latin typeface="Nunito Bold"/>
+                <a:ea typeface="Nunito Bold"/>
+                <a:cs typeface="Nunito Bold"/>
+                <a:sym typeface="Nunito Bold"/>
+              </a:rPr>
+              <a:t>orci</a:t>
+            </a:r>
+            <a:r>
+              <a:rPr lang="en-US" sz="3499" dirty="0">
+                <a:solidFill>
+                  <a:srgbClr val="000000"/>
+                </a:solidFill>
+                <a:latin typeface="Nunito Bold"/>
+                <a:ea typeface="Nunito Bold"/>
+                <a:cs typeface="Nunito Bold"/>
+                <a:sym typeface="Nunito Bold"/>
+              </a:rPr>
+              <a:t> </a:t>
+            </a:r>
+            <a:r>
+              <a:rPr lang="en-US" sz="3499" dirty="0" err="1">
+                <a:solidFill>
+                  <a:srgbClr val="000000"/>
+                </a:solidFill>
+                <a:latin typeface="Nunito Bold"/>
+                <a:ea typeface="Nunito Bold"/>
+                <a:cs typeface="Nunito Bold"/>
+                <a:sym typeface="Nunito Bold"/>
+              </a:rPr>
+              <a:t>ut</a:t>
+            </a:r>
+            <a:r>
+              <a:rPr lang="en-US" sz="3499" dirty="0">
+                <a:solidFill>
+                  <a:srgbClr val="000000"/>
+                </a:solidFill>
+                <a:latin typeface="Nunito Bold"/>
+                <a:ea typeface="Nunito Bold"/>
+                <a:cs typeface="Nunito Bold"/>
+                <a:sym typeface="Nunito Bold"/>
+              </a:rPr>
+              <a:t> </a:t>
+            </a:r>
+            <a:r>
+              <a:rPr lang="en-US" sz="3499" dirty="0" err="1">
+                <a:solidFill>
+                  <a:srgbClr val="000000"/>
+                </a:solidFill>
+                <a:latin typeface="Nunito Bold"/>
+                <a:ea typeface="Nunito Bold"/>
+                <a:cs typeface="Nunito Bold"/>
+                <a:sym typeface="Nunito Bold"/>
+              </a:rPr>
+              <a:t>nibh</a:t>
+            </a:r>
+            <a:r>
+              <a:rPr lang="en-US" sz="3499" dirty="0">
+                <a:solidFill>
+                  <a:srgbClr val="000000"/>
+                </a:solidFill>
+                <a:latin typeface="Nunito Bold"/>
+                <a:ea typeface="Nunito Bold"/>
+                <a:cs typeface="Nunito Bold"/>
+                <a:sym typeface="Nunito Bold"/>
+              </a:rPr>
+              <a:t> </a:t>
+            </a:r>
+            <a:r>
+              <a:rPr lang="en-US" sz="3499" dirty="0" err="1">
+                <a:solidFill>
+                  <a:srgbClr val="000000"/>
+                </a:solidFill>
+                <a:latin typeface="Nunito Bold"/>
+                <a:ea typeface="Nunito Bold"/>
+                <a:cs typeface="Nunito Bold"/>
+                <a:sym typeface="Nunito Bold"/>
+              </a:rPr>
+              <a:t>luctus</a:t>
+            </a:r>
+            <a:r>
+              <a:rPr lang="en-US" sz="3499" dirty="0">
+                <a:solidFill>
+                  <a:srgbClr val="000000"/>
+                </a:solidFill>
+                <a:latin typeface="Nunito Bold"/>
+                <a:ea typeface="Nunito Bold"/>
+                <a:cs typeface="Nunito Bold"/>
+                <a:sym typeface="Nunito Bold"/>
+              </a:rPr>
+              <a:t> pulvinar.</a:t>
+            </a:r>
+          </a:p>
+          <a:p>
+            <a:pPr algn="ctr">
+              <a:lnSpc>
+                <a:spcPts val="4899"/>
+              </a:lnSpc>
+            </a:pPr>
+            <a:endParaRPr lang="en-US" sz="3499" dirty="0">
+              <a:solidFill>
+                <a:srgbClr val="000000"/>
+              </a:solidFill>
+              <a:latin typeface="Nunito Bold"/>
+              <a:ea typeface="Nunito Bold"/>
+              <a:cs typeface="Nunito Bold"/>
+              <a:sym typeface="Nunito Bold"/>
+            </a:endParaRPr>
+          </a:p>
+          <a:p>
+            <a:pPr algn="ctr">
+              <a:lnSpc>
+                <a:spcPts val="4899"/>
+              </a:lnSpc>
+            </a:pPr>
+            <a:r>
+              <a:rPr lang="en-US" sz="3499" dirty="0">
+                <a:solidFill>
+                  <a:srgbClr val="000000"/>
+                </a:solidFill>
+                <a:latin typeface="Nunito Bold"/>
+                <a:ea typeface="Nunito Bold"/>
+                <a:cs typeface="Nunito Bold"/>
+                <a:sym typeface="Nunito Bold"/>
+              </a:rPr>
+              <a:t>Donec </a:t>
+            </a:r>
+            <a:r>
+              <a:rPr lang="en-US" sz="3499" dirty="0" err="1">
+                <a:solidFill>
+                  <a:srgbClr val="000000"/>
+                </a:solidFill>
+                <a:latin typeface="Nunito Bold"/>
+                <a:ea typeface="Nunito Bold"/>
+                <a:cs typeface="Nunito Bold"/>
+                <a:sym typeface="Nunito Bold"/>
+              </a:rPr>
+              <a:t>imperdiet</a:t>
+            </a:r>
+            <a:r>
+              <a:rPr lang="en-US" sz="3499" dirty="0">
+                <a:solidFill>
+                  <a:srgbClr val="000000"/>
+                </a:solidFill>
+                <a:latin typeface="Nunito Bold"/>
+                <a:ea typeface="Nunito Bold"/>
+                <a:cs typeface="Nunito Bold"/>
+                <a:sym typeface="Nunito Bold"/>
+              </a:rPr>
+              <a:t> </a:t>
+            </a:r>
+            <a:r>
+              <a:rPr lang="en-US" sz="3499" dirty="0" err="1">
+                <a:solidFill>
+                  <a:srgbClr val="000000"/>
+                </a:solidFill>
+                <a:latin typeface="Nunito Bold"/>
+                <a:ea typeface="Nunito Bold"/>
+                <a:cs typeface="Nunito Bold"/>
+                <a:sym typeface="Nunito Bold"/>
+              </a:rPr>
+              <a:t>nisl</a:t>
+            </a:r>
+            <a:r>
+              <a:rPr lang="en-US" sz="3499" dirty="0">
+                <a:solidFill>
+                  <a:srgbClr val="000000"/>
+                </a:solidFill>
+                <a:latin typeface="Nunito Bold"/>
+                <a:ea typeface="Nunito Bold"/>
+                <a:cs typeface="Nunito Bold"/>
+                <a:sym typeface="Nunito Bold"/>
+              </a:rPr>
+              <a:t> </a:t>
+            </a:r>
+            <a:r>
+              <a:rPr lang="en-US" sz="3499" dirty="0" err="1">
+                <a:solidFill>
+                  <a:srgbClr val="000000"/>
+                </a:solidFill>
+                <a:latin typeface="Nunito Bold"/>
+                <a:ea typeface="Nunito Bold"/>
+                <a:cs typeface="Nunito Bold"/>
+                <a:sym typeface="Nunito Bold"/>
+              </a:rPr>
+              <a:t>nec</a:t>
+            </a:r>
+            <a:r>
+              <a:rPr lang="en-US" sz="3499" dirty="0">
+                <a:solidFill>
+                  <a:srgbClr val="000000"/>
+                </a:solidFill>
+                <a:latin typeface="Nunito Bold"/>
+                <a:ea typeface="Nunito Bold"/>
+                <a:cs typeface="Nunito Bold"/>
+                <a:sym typeface="Nunito Bold"/>
+              </a:rPr>
+              <a:t> magna </a:t>
+            </a:r>
+            <a:r>
+              <a:rPr lang="en-US" sz="3499" dirty="0" err="1">
+                <a:solidFill>
+                  <a:srgbClr val="000000"/>
+                </a:solidFill>
+                <a:latin typeface="Nunito Bold"/>
+                <a:ea typeface="Nunito Bold"/>
+                <a:cs typeface="Nunito Bold"/>
+                <a:sym typeface="Nunito Bold"/>
+              </a:rPr>
+              <a:t>pellentesque</a:t>
+            </a:r>
+            <a:r>
+              <a:rPr lang="en-US" sz="3499" dirty="0">
+                <a:solidFill>
+                  <a:srgbClr val="000000"/>
+                </a:solidFill>
+                <a:latin typeface="Nunito Bold"/>
+                <a:ea typeface="Nunito Bold"/>
+                <a:cs typeface="Nunito Bold"/>
+                <a:sym typeface="Nunito Bold"/>
+              </a:rPr>
+              <a:t>, vitae </a:t>
+            </a:r>
+            <a:r>
+              <a:rPr lang="en-US" sz="3499" dirty="0" err="1">
+                <a:solidFill>
+                  <a:srgbClr val="000000"/>
+                </a:solidFill>
+                <a:latin typeface="Nunito Bold"/>
+                <a:ea typeface="Nunito Bold"/>
+                <a:cs typeface="Nunito Bold"/>
+                <a:sym typeface="Nunito Bold"/>
+              </a:rPr>
+              <a:t>eleifend</a:t>
+            </a:r>
+            <a:r>
+              <a:rPr lang="en-US" sz="3499" dirty="0">
+                <a:solidFill>
+                  <a:srgbClr val="000000"/>
+                </a:solidFill>
+                <a:latin typeface="Nunito Bold"/>
+                <a:ea typeface="Nunito Bold"/>
+                <a:cs typeface="Nunito Bold"/>
+                <a:sym typeface="Nunito Bold"/>
+              </a:rPr>
+              <a:t> </a:t>
+            </a:r>
+            <a:r>
+              <a:rPr lang="en-US" sz="3499" dirty="0" err="1">
+                <a:solidFill>
+                  <a:srgbClr val="000000"/>
+                </a:solidFill>
+                <a:latin typeface="Nunito Bold"/>
+                <a:ea typeface="Nunito Bold"/>
+                <a:cs typeface="Nunito Bold"/>
+                <a:sym typeface="Nunito Bold"/>
+              </a:rPr>
+              <a:t>odio</a:t>
+            </a:r>
+            <a:r>
+              <a:rPr lang="en-US" sz="3499" dirty="0">
+                <a:solidFill>
+                  <a:srgbClr val="000000"/>
+                </a:solidFill>
+                <a:latin typeface="Nunito Bold"/>
+                <a:ea typeface="Nunito Bold"/>
+                <a:cs typeface="Nunito Bold"/>
+                <a:sym typeface="Nunito Bold"/>
+              </a:rPr>
+              <a:t> </a:t>
+            </a:r>
+            <a:r>
+              <a:rPr lang="en-US" sz="3499" dirty="0" err="1">
+                <a:solidFill>
+                  <a:srgbClr val="000000"/>
+                </a:solidFill>
+                <a:latin typeface="Nunito Bold"/>
+                <a:ea typeface="Nunito Bold"/>
+                <a:cs typeface="Nunito Bold"/>
+                <a:sym typeface="Nunito Bold"/>
+              </a:rPr>
+              <a:t>sodales</a:t>
+            </a:r>
+            <a:r>
+              <a:rPr lang="en-US" sz="3499" dirty="0">
+                <a:solidFill>
+                  <a:srgbClr val="000000"/>
+                </a:solidFill>
+                <a:latin typeface="Nunito Bold"/>
+                <a:ea typeface="Nunito Bold"/>
+                <a:cs typeface="Nunito Bold"/>
+                <a:sym typeface="Nunito Bold"/>
+              </a:rPr>
+              <a:t>. Donec </a:t>
+            </a:r>
+            <a:r>
+              <a:rPr lang="en-US" sz="3499" dirty="0" err="1">
+                <a:solidFill>
+                  <a:srgbClr val="000000"/>
+                </a:solidFill>
+                <a:latin typeface="Nunito Bold"/>
+                <a:ea typeface="Nunito Bold"/>
+                <a:cs typeface="Nunito Bold"/>
+                <a:sym typeface="Nunito Bold"/>
+              </a:rPr>
+              <a:t>aliquet</a:t>
+            </a:r>
+            <a:r>
+              <a:rPr lang="en-US" sz="3499" dirty="0">
+                <a:solidFill>
+                  <a:srgbClr val="000000"/>
+                </a:solidFill>
+                <a:latin typeface="Nunito Bold"/>
+                <a:ea typeface="Nunito Bold"/>
+                <a:cs typeface="Nunito Bold"/>
+                <a:sym typeface="Nunito Bold"/>
+              </a:rPr>
+              <a:t> ex </a:t>
+            </a:r>
+            <a:r>
+              <a:rPr lang="en-US" sz="3499" dirty="0" err="1">
+                <a:solidFill>
+                  <a:srgbClr val="000000"/>
+                </a:solidFill>
+                <a:latin typeface="Nunito Bold"/>
+                <a:ea typeface="Nunito Bold"/>
+                <a:cs typeface="Nunito Bold"/>
+                <a:sym typeface="Nunito Bold"/>
+              </a:rPr>
+              <a:t>bibendum</a:t>
+            </a:r>
+            <a:r>
+              <a:rPr lang="en-US" sz="3499" dirty="0">
+                <a:solidFill>
+                  <a:srgbClr val="000000"/>
+                </a:solidFill>
+                <a:latin typeface="Nunito Bold"/>
+                <a:ea typeface="Nunito Bold"/>
+                <a:cs typeface="Nunito Bold"/>
+                <a:sym typeface="Nunito Bold"/>
+              </a:rPr>
+              <a:t>, </a:t>
+            </a:r>
+            <a:r>
+              <a:rPr lang="en-US" sz="3499" dirty="0" err="1">
+                <a:solidFill>
+                  <a:srgbClr val="000000"/>
+                </a:solidFill>
+                <a:latin typeface="Nunito Bold"/>
+                <a:ea typeface="Nunito Bold"/>
+                <a:cs typeface="Nunito Bold"/>
+                <a:sym typeface="Nunito Bold"/>
+              </a:rPr>
+              <a:t>pellentesque</a:t>
+            </a:r>
+            <a:r>
+              <a:rPr lang="en-US" sz="3499" dirty="0">
+                <a:solidFill>
+                  <a:srgbClr val="000000"/>
+                </a:solidFill>
+                <a:latin typeface="Nunito Bold"/>
+                <a:ea typeface="Nunito Bold"/>
+                <a:cs typeface="Nunito Bold"/>
+                <a:sym typeface="Nunito Bold"/>
+              </a:rPr>
+              <a:t> </a:t>
+            </a:r>
+            <a:r>
+              <a:rPr lang="en-US" sz="3499" dirty="0" err="1">
+                <a:solidFill>
+                  <a:srgbClr val="000000"/>
+                </a:solidFill>
+                <a:latin typeface="Nunito Bold"/>
+                <a:ea typeface="Nunito Bold"/>
+                <a:cs typeface="Nunito Bold"/>
+                <a:sym typeface="Nunito Bold"/>
+              </a:rPr>
+              <a:t>nunc</a:t>
+            </a:r>
+            <a:r>
+              <a:rPr lang="en-US" sz="3499" dirty="0">
+                <a:solidFill>
+                  <a:srgbClr val="000000"/>
+                </a:solidFill>
+                <a:latin typeface="Nunito Bold"/>
+                <a:ea typeface="Nunito Bold"/>
+                <a:cs typeface="Nunito Bold"/>
+                <a:sym typeface="Nunito Bold"/>
+              </a:rPr>
+              <a:t> sed, </a:t>
+            </a:r>
+            <a:r>
+              <a:rPr lang="en-US" sz="3499" dirty="0" err="1">
+                <a:solidFill>
+                  <a:srgbClr val="000000"/>
+                </a:solidFill>
+                <a:latin typeface="Nunito Bold"/>
+                <a:ea typeface="Nunito Bold"/>
+                <a:cs typeface="Nunito Bold"/>
+                <a:sym typeface="Nunito Bold"/>
+              </a:rPr>
+              <a:t>interdum</a:t>
+            </a:r>
+            <a:r>
+              <a:rPr lang="en-US" sz="3499" dirty="0">
+                <a:solidFill>
+                  <a:srgbClr val="000000"/>
+                </a:solidFill>
+                <a:latin typeface="Nunito Bold"/>
+                <a:ea typeface="Nunito Bold"/>
+                <a:cs typeface="Nunito Bold"/>
+                <a:sym typeface="Nunito Bold"/>
+              </a:rPr>
+              <a:t> </a:t>
+            </a:r>
+            <a:r>
+              <a:rPr lang="en-US" sz="3499" dirty="0" err="1">
+                <a:solidFill>
+                  <a:srgbClr val="000000"/>
+                </a:solidFill>
+                <a:latin typeface="Nunito Bold"/>
+                <a:ea typeface="Nunito Bold"/>
+                <a:cs typeface="Nunito Bold"/>
+                <a:sym typeface="Nunito Bold"/>
+              </a:rPr>
+              <a:t>enim</a:t>
+            </a:r>
+            <a:r>
+              <a:rPr lang="en-US" sz="3499" dirty="0">
+                <a:solidFill>
+                  <a:srgbClr val="000000"/>
+                </a:solidFill>
+                <a:latin typeface="Nunito Bold"/>
+                <a:ea typeface="Nunito Bold"/>
+                <a:cs typeface="Nunito Bold"/>
+                <a:sym typeface="Nunito Bold"/>
+              </a:rPr>
+              <a:t>.</a:t>
+            </a:r>
+          </a:p>
+        </p:txBody>
+      </p:sp>
+      <p:sp>
+        <p:nvSpPr>
+          <p:cNvPr id="15" name="Freeform 15"/>
+          <p:cNvSpPr/>
+          <p:nvPr/>
+        </p:nvSpPr>
+        <p:spPr>
+          <a:xfrm>
+            <a:off x="15824275" y="6533193"/>
+            <a:ext cx="1949375" cy="1949375"/>
+          </a:xfrm>
+          <a:custGeom>
+            <a:avLst/>
+            <a:gdLst/>
+            <a:ahLst/>
+            <a:cxnLst/>
+            <a:rect l="l" t="t" r="r" b="b"/>
+            <a:pathLst>
+              <a:path w="1949375" h="1949375">
+                <a:moveTo>
+                  <a:pt x="0" y="0"/>
+                </a:moveTo>
+                <a:lnTo>
+                  <a:pt x="1949375" y="0"/>
+                </a:lnTo>
+                <a:lnTo>
+                  <a:pt x="1949375" y="1949375"/>
+                </a:lnTo>
+                <a:lnTo>
+                  <a:pt x="0" y="1949375"/>
+                </a:lnTo>
+                <a:lnTo>
+                  <a:pt x="0" y="0"/>
+                </a:lnTo>
+                <a:close/>
+              </a:path>
+            </a:pathLst>
+          </a:custGeom>
+          <a:blipFill>
+            <a:blip r:embed="rId4">
+              <a:extLst>
+                <a:ext uri="{96DAC541-7B7A-43D3-8B79-37D633B846F1}">
+                  <asvg:svgBlip xmlns:asvg="http://schemas.microsoft.com/office/drawing/2016/SVG/main" r:embed="rId5"/>
+                </a:ext>
+              </a:extLst>
+            </a:blip>
+            <a:stretch>
+              <a:fillRect/>
+            </a:stretch>
+          </a:blipFill>
+        </p:spPr>
+      </p:sp>
+      <p:sp>
+        <p:nvSpPr>
+          <p:cNvPr id="16" name="Freeform 16"/>
+          <p:cNvSpPr/>
+          <p:nvPr/>
+        </p:nvSpPr>
+        <p:spPr>
+          <a:xfrm>
+            <a:off x="-668902" y="1028700"/>
+            <a:ext cx="3395204" cy="1049427"/>
+          </a:xfrm>
+          <a:custGeom>
+            <a:avLst/>
+            <a:gdLst/>
+            <a:ahLst/>
+            <a:cxnLst/>
+            <a:rect l="l" t="t" r="r" b="b"/>
+            <a:pathLst>
+              <a:path w="3395204" h="1049427">
+                <a:moveTo>
+                  <a:pt x="0" y="0"/>
+                </a:moveTo>
+                <a:lnTo>
+                  <a:pt x="3395204" y="0"/>
+                </a:lnTo>
+                <a:lnTo>
+                  <a:pt x="3395204" y="1049427"/>
+                </a:lnTo>
+                <a:lnTo>
+                  <a:pt x="0" y="1049427"/>
+                </a:lnTo>
+                <a:lnTo>
+                  <a:pt x="0" y="0"/>
+                </a:lnTo>
+                <a:close/>
+              </a:path>
+            </a:pathLst>
+          </a:custGeom>
+          <a:blipFill>
+            <a:blip r:embed="rId6">
+              <a:extLst>
+                <a:ext uri="{96DAC541-7B7A-43D3-8B79-37D633B846F1}">
+                  <asvg:svgBlip xmlns:asvg="http://schemas.microsoft.com/office/drawing/2016/SVG/main" r:embed="rId7"/>
+                </a:ext>
+              </a:extLst>
+            </a:blip>
+            <a:stretch>
+              <a:fillRect/>
+            </a:stretch>
+          </a:blipFill>
+        </p:spPr>
+      </p:sp>
+      <p:sp>
+        <p:nvSpPr>
+          <p:cNvPr id="17" name="TextBox 17"/>
+          <p:cNvSpPr txBox="1"/>
+          <p:nvPr/>
+        </p:nvSpPr>
+        <p:spPr>
+          <a:xfrm>
+            <a:off x="4543721" y="904875"/>
+            <a:ext cx="9200557" cy="1125781"/>
+          </a:xfrm>
+          <a:prstGeom prst="rect">
+            <a:avLst/>
+          </a:prstGeom>
+        </p:spPr>
+        <p:txBody>
+          <a:bodyPr lIns="0" tIns="0" rIns="0" bIns="0" rtlCol="0" anchor="t">
+            <a:spAutoFit/>
+          </a:bodyPr>
+          <a:lstStyle/>
+          <a:p>
+            <a:pPr algn="ctr">
+              <a:lnSpc>
+                <a:spcPts val="9250"/>
+              </a:lnSpc>
+            </a:pPr>
+            <a:r>
+              <a:rPr lang="en-US" sz="6607">
+                <a:solidFill>
+                  <a:srgbClr val="000000"/>
+                </a:solidFill>
+                <a:latin typeface="Fredoka"/>
+                <a:ea typeface="Fredoka"/>
+                <a:cs typeface="Fredoka"/>
+                <a:sym typeface="Fredoka"/>
+              </a:rPr>
+              <a:t>BACKGROUND </a:t>
+            </a:r>
+          </a:p>
+        </p:txBody>
+      </p:sp>
+      <p:sp>
+        <p:nvSpPr>
+          <p:cNvPr id="18" name="TextBox 18"/>
+          <p:cNvSpPr txBox="1"/>
+          <p:nvPr/>
+        </p:nvSpPr>
+        <p:spPr>
+          <a:xfrm>
+            <a:off x="514350" y="9217398"/>
+            <a:ext cx="17259300" cy="514350"/>
+          </a:xfrm>
+          <a:prstGeom prst="rect">
+            <a:avLst/>
+          </a:prstGeom>
+        </p:spPr>
+        <p:txBody>
+          <a:bodyPr lIns="0" tIns="0" rIns="0" bIns="0" rtlCol="0" anchor="t">
+            <a:spAutoFit/>
+          </a:bodyPr>
+          <a:lstStyle/>
+          <a:p>
+            <a:pPr algn="ctr">
+              <a:lnSpc>
+                <a:spcPts val="4200"/>
+              </a:lnSpc>
+            </a:pPr>
+            <a:r>
+              <a:rPr lang="en-US" sz="3000" dirty="0">
+                <a:solidFill>
+                  <a:srgbClr val="000000"/>
+                </a:solidFill>
+                <a:latin typeface="Nunito"/>
+                <a:ea typeface="Nunito"/>
+                <a:cs typeface="Nunito"/>
+                <a:sym typeface="Nunito"/>
+              </a:rPr>
+              <a:t>Presentation by Alexander </a:t>
+            </a:r>
+            <a:r>
+              <a:rPr lang="en-US" sz="3000" dirty="0" err="1">
+                <a:solidFill>
+                  <a:srgbClr val="000000"/>
+                </a:solidFill>
+                <a:latin typeface="Nunito"/>
+                <a:ea typeface="Nunito"/>
+                <a:cs typeface="Nunito"/>
+                <a:sym typeface="Nunito"/>
+              </a:rPr>
+              <a:t>Aronowitz</a:t>
+            </a:r>
+            <a:r>
+              <a:rPr lang="en-US" sz="3000" dirty="0">
+                <a:solidFill>
+                  <a:srgbClr val="000000"/>
+                </a:solidFill>
+                <a:latin typeface="Nunito"/>
+                <a:ea typeface="Nunito"/>
+                <a:cs typeface="Nunito"/>
+                <a:sym typeface="Nunito"/>
+              </a:rPr>
+              <a:t> | Business Marketing | 2024 | </a:t>
+            </a:r>
+            <a:r>
+              <a:rPr lang="en-US" sz="3000" dirty="0" err="1">
+                <a:solidFill>
+                  <a:srgbClr val="000000"/>
+                </a:solidFill>
+                <a:latin typeface="Nunito"/>
+                <a:ea typeface="Nunito"/>
+                <a:cs typeface="Nunito"/>
+                <a:sym typeface="Nunito"/>
+              </a:rPr>
+              <a:t>Rimberio</a:t>
+            </a:r>
+            <a:r>
+              <a:rPr lang="en-US" sz="3000" dirty="0">
+                <a:solidFill>
+                  <a:srgbClr val="000000"/>
+                </a:solidFill>
+                <a:latin typeface="Nunito"/>
+                <a:ea typeface="Nunito"/>
+                <a:cs typeface="Nunito"/>
+                <a:sym typeface="Nunito"/>
+              </a:rPr>
+              <a:t> University </a:t>
+            </a:r>
+          </a:p>
+        </p:txBody>
+      </p:sp>
+    </p:spTree>
+  </p:cSld>
+  <p:clrMapOvr>
+    <a:masterClrMapping/>
+  </p:clrMapOvr>
+</p:sld>
+</file>
+
+<file path=ppt/slides/slide6.xml><?xml version="1.0" encoding="utf-8"?>
+<p:sld xmlns:a="http://schemas.openxmlformats.org/drawingml/2006/main" xmlns:r="http://schemas.openxmlformats.org/officeDocument/2006/relationships" xmlns:p="http://schemas.openxmlformats.org/presentationml/2006/main">
+  <p:cSld>
+    <p:spTree>
+      <p:nvGrpSpPr>
+        <p:cNvPr id="1" name=""/>
+        <p:cNvGrpSpPr/>
+        <p:nvPr/>
+      </p:nvGrpSpPr>
+      <p:grpSpPr>
+        <a:xfrm>
+          <a:off x="0" y="0"/>
+          <a:ext cx="0" cy="0"/>
+          <a:chOff x="0" y="0"/>
+          <a:chExt cx="0" cy="0"/>
+        </a:xfrm>
+      </p:grpSpPr>
+      <p:grpSp>
+        <p:nvGrpSpPr>
+          <p:cNvPr id="2" name="Group 2"/>
+          <p:cNvGrpSpPr/>
+          <p:nvPr/>
+        </p:nvGrpSpPr>
+        <p:grpSpPr>
+          <a:xfrm>
+            <a:off x="-1109662" y="0"/>
+            <a:ext cx="20507325" cy="10287000"/>
+            <a:chOff x="0" y="0"/>
+            <a:chExt cx="27343100" cy="13716000"/>
+          </a:xfrm>
+        </p:grpSpPr>
+        <p:sp>
+          <p:nvSpPr>
+            <p:cNvPr id="3" name="Freeform 3"/>
+            <p:cNvSpPr/>
+            <p:nvPr/>
+          </p:nvSpPr>
+          <p:spPr>
+            <a:xfrm>
+              <a:off x="0" y="0"/>
+              <a:ext cx="13716000" cy="13716000"/>
+            </a:xfrm>
+            <a:custGeom>
+              <a:avLst/>
+              <a:gdLst/>
+              <a:ahLst/>
+              <a:cxnLst/>
+              <a:rect l="l" t="t" r="r" b="b"/>
+              <a:pathLst>
+                <a:path w="13716000" h="13716000">
+                  <a:moveTo>
+                    <a:pt x="0" y="0"/>
+                  </a:moveTo>
+                  <a:lnTo>
+                    <a:pt x="13716000" y="0"/>
+                  </a:lnTo>
+                  <a:lnTo>
+                    <a:pt x="13716000" y="13716000"/>
+                  </a:lnTo>
+                  <a:lnTo>
+                    <a:pt x="0" y="13716000"/>
+                  </a:lnTo>
+                  <a:lnTo>
+                    <a:pt x="0" y="0"/>
+                  </a:lnTo>
+                  <a:close/>
+                </a:path>
+              </a:pathLst>
+            </a:custGeom>
+            <a:blipFill>
+              <a:blip r:embed="rId2">
+                <a:alphaModFix amt="0"/>
+                <a:extLst>
+                  <a:ext uri="{96DAC541-7B7A-43D3-8B79-37D633B846F1}">
+                    <asvg:svgBlip xmlns:asvg="http://schemas.microsoft.com/office/drawing/2016/SVG/main" r:embed="rId3"/>
+                  </a:ext>
+                </a:extLst>
+              </a:blip>
+              <a:stretch>
+                <a:fillRect/>
+              </a:stretch>
+            </a:blipFill>
+          </p:spPr>
+        </p:sp>
+        <p:sp>
+          <p:nvSpPr>
+            <p:cNvPr id="4" name="Freeform 4"/>
+            <p:cNvSpPr/>
+            <p:nvPr/>
+          </p:nvSpPr>
+          <p:spPr>
+            <a:xfrm>
+              <a:off x="13627100" y="0"/>
+              <a:ext cx="13716000" cy="13716000"/>
+            </a:xfrm>
+            <a:custGeom>
+              <a:avLst/>
+              <a:gdLst/>
+              <a:ahLst/>
+              <a:cxnLst/>
+              <a:rect l="l" t="t" r="r" b="b"/>
+              <a:pathLst>
+                <a:path w="13716000" h="13716000">
+                  <a:moveTo>
+                    <a:pt x="0" y="0"/>
+                  </a:moveTo>
+                  <a:lnTo>
+                    <a:pt x="13716000" y="0"/>
+                  </a:lnTo>
+                  <a:lnTo>
+                    <a:pt x="13716000" y="13716000"/>
+                  </a:lnTo>
+                  <a:lnTo>
+                    <a:pt x="0" y="13716000"/>
+                  </a:lnTo>
+                  <a:lnTo>
+                    <a:pt x="0" y="0"/>
+                  </a:lnTo>
+                  <a:close/>
+                </a:path>
+              </a:pathLst>
+            </a:custGeom>
+            <a:blipFill>
+              <a:blip r:embed="rId2">
+                <a:alphaModFix amt="0"/>
+                <a:extLst>
+                  <a:ext uri="{96DAC541-7B7A-43D3-8B79-37D633B846F1}">
+                    <asvg:svgBlip xmlns:asvg="http://schemas.microsoft.com/office/drawing/2016/SVG/main" r:embed="rId3"/>
+                  </a:ext>
+                </a:extLst>
+              </a:blip>
+              <a:stretch>
+                <a:fillRect/>
+              </a:stretch>
+            </a:blipFill>
+          </p:spPr>
+        </p:sp>
+      </p:grpSp>
+      <p:grpSp>
+        <p:nvGrpSpPr>
+          <p:cNvPr id="5" name="Group 5"/>
+          <p:cNvGrpSpPr/>
+          <p:nvPr/>
+        </p:nvGrpSpPr>
+        <p:grpSpPr>
+          <a:xfrm>
+            <a:off x="1028700" y="1505943"/>
+            <a:ext cx="16230600" cy="6526651"/>
+            <a:chOff x="0" y="0"/>
+            <a:chExt cx="4274726" cy="1718953"/>
+          </a:xfrm>
+        </p:grpSpPr>
+        <p:sp>
+          <p:nvSpPr>
+            <p:cNvPr id="6" name="Freeform 6"/>
+            <p:cNvSpPr/>
+            <p:nvPr/>
+          </p:nvSpPr>
+          <p:spPr>
+            <a:xfrm>
+              <a:off x="0" y="0"/>
+              <a:ext cx="4274726" cy="1718953"/>
+            </a:xfrm>
+            <a:custGeom>
+              <a:avLst/>
+              <a:gdLst/>
+              <a:ahLst/>
+              <a:cxnLst/>
+              <a:rect l="l" t="t" r="r" b="b"/>
+              <a:pathLst>
+                <a:path w="4274726" h="1718953">
+                  <a:moveTo>
+                    <a:pt x="0" y="0"/>
+                  </a:moveTo>
+                  <a:lnTo>
+                    <a:pt x="4274726" y="0"/>
+                  </a:lnTo>
+                  <a:lnTo>
+                    <a:pt x="4274726" y="1718953"/>
+                  </a:lnTo>
+                  <a:lnTo>
+                    <a:pt x="0" y="1718953"/>
+                  </a:lnTo>
+                  <a:close/>
+                </a:path>
+              </a:pathLst>
+            </a:custGeom>
+            <a:solidFill>
+              <a:srgbClr val="FFFFFF"/>
+            </a:solidFill>
+          </p:spPr>
+        </p:sp>
+        <p:sp>
+          <p:nvSpPr>
+            <p:cNvPr id="7" name="TextBox 7"/>
+            <p:cNvSpPr txBox="1"/>
+            <p:nvPr/>
+          </p:nvSpPr>
+          <p:spPr>
+            <a:xfrm>
+              <a:off x="0" y="-38100"/>
+              <a:ext cx="4274726" cy="1757053"/>
+            </a:xfrm>
+            <a:prstGeom prst="rect">
+              <a:avLst/>
+            </a:prstGeom>
+          </p:spPr>
+          <p:txBody>
+            <a:bodyPr lIns="50800" tIns="50800" rIns="50800" bIns="50800" rtlCol="0" anchor="ctr"/>
+            <a:lstStyle/>
+            <a:p>
+              <a:pPr algn="ctr">
+                <a:lnSpc>
+                  <a:spcPts val="2659"/>
+                </a:lnSpc>
+                <a:spcBef>
+                  <a:spcPct val="0"/>
+                </a:spcBef>
+              </a:pPr>
+              <a:endParaRPr/>
+            </a:p>
+          </p:txBody>
+        </p:sp>
+      </p:grpSp>
+      <p:grpSp>
+        <p:nvGrpSpPr>
+          <p:cNvPr id="8" name="Group 8"/>
+          <p:cNvGrpSpPr/>
+          <p:nvPr/>
+        </p:nvGrpSpPr>
+        <p:grpSpPr>
+          <a:xfrm>
+            <a:off x="5139012" y="687305"/>
+            <a:ext cx="8009976" cy="1730229"/>
+            <a:chOff x="0" y="0"/>
+            <a:chExt cx="2109623" cy="455698"/>
+          </a:xfrm>
+        </p:grpSpPr>
+        <p:sp>
+          <p:nvSpPr>
+            <p:cNvPr id="9" name="Freeform 9"/>
+            <p:cNvSpPr/>
+            <p:nvPr/>
+          </p:nvSpPr>
+          <p:spPr>
+            <a:xfrm>
+              <a:off x="0" y="0"/>
+              <a:ext cx="2109623" cy="455698"/>
+            </a:xfrm>
+            <a:custGeom>
+              <a:avLst/>
+              <a:gdLst/>
+              <a:ahLst/>
+              <a:cxnLst/>
+              <a:rect l="l" t="t" r="r" b="b"/>
+              <a:pathLst>
+                <a:path w="2109623" h="455698">
+                  <a:moveTo>
+                    <a:pt x="0" y="0"/>
+                  </a:moveTo>
+                  <a:lnTo>
+                    <a:pt x="2109623" y="0"/>
+                  </a:lnTo>
+                  <a:lnTo>
+                    <a:pt x="2109623" y="455698"/>
+                  </a:lnTo>
+                  <a:lnTo>
+                    <a:pt x="0" y="455698"/>
+                  </a:lnTo>
+                  <a:close/>
+                </a:path>
+              </a:pathLst>
+            </a:custGeom>
+            <a:solidFill>
+              <a:srgbClr val="FFFFFF"/>
+            </a:solidFill>
+            <a:ln w="38100" cap="sq">
+              <a:solidFill>
+                <a:srgbClr val="FFFFFF"/>
+              </a:solidFill>
+              <a:prstDash val="solid"/>
+              <a:miter/>
+            </a:ln>
+          </p:spPr>
+        </p:sp>
+        <p:sp>
+          <p:nvSpPr>
+            <p:cNvPr id="10" name="TextBox 10"/>
+            <p:cNvSpPr txBox="1"/>
+            <p:nvPr/>
+          </p:nvSpPr>
+          <p:spPr>
+            <a:xfrm>
+              <a:off x="0" y="-38100"/>
+              <a:ext cx="2109623" cy="493798"/>
+            </a:xfrm>
+            <a:prstGeom prst="rect">
+              <a:avLst/>
+            </a:prstGeom>
+          </p:spPr>
+          <p:txBody>
+            <a:bodyPr lIns="50800" tIns="50800" rIns="50800" bIns="50800" rtlCol="0" anchor="ctr"/>
+            <a:lstStyle/>
+            <a:p>
+              <a:pPr algn="ctr">
+                <a:lnSpc>
+                  <a:spcPts val="2659"/>
+                </a:lnSpc>
+                <a:spcBef>
+                  <a:spcPct val="0"/>
+                </a:spcBef>
+              </a:pPr>
+              <a:endParaRPr/>
+            </a:p>
+          </p:txBody>
+        </p:sp>
+      </p:grpSp>
+      <p:grpSp>
+        <p:nvGrpSpPr>
+          <p:cNvPr id="11" name="Group 11"/>
+          <p:cNvGrpSpPr/>
+          <p:nvPr/>
+        </p:nvGrpSpPr>
+        <p:grpSpPr>
+          <a:xfrm>
+            <a:off x="-576611" y="8801100"/>
+            <a:ext cx="19974273" cy="1861295"/>
+            <a:chOff x="0" y="0"/>
+            <a:chExt cx="5260714" cy="490218"/>
+          </a:xfrm>
+        </p:grpSpPr>
+        <p:sp>
+          <p:nvSpPr>
+            <p:cNvPr id="12" name="Freeform 12"/>
+            <p:cNvSpPr/>
+            <p:nvPr/>
+          </p:nvSpPr>
+          <p:spPr>
+            <a:xfrm>
+              <a:off x="0" y="0"/>
+              <a:ext cx="5260714" cy="490218"/>
+            </a:xfrm>
+            <a:custGeom>
+              <a:avLst/>
+              <a:gdLst/>
+              <a:ahLst/>
+              <a:cxnLst/>
+              <a:rect l="l" t="t" r="r" b="b"/>
+              <a:pathLst>
+                <a:path w="5260714" h="490218">
+                  <a:moveTo>
+                    <a:pt x="0" y="0"/>
+                  </a:moveTo>
+                  <a:lnTo>
+                    <a:pt x="5260714" y="0"/>
+                  </a:lnTo>
+                  <a:lnTo>
+                    <a:pt x="5260714" y="490218"/>
+                  </a:lnTo>
+                  <a:lnTo>
+                    <a:pt x="0" y="490218"/>
+                  </a:lnTo>
+                  <a:close/>
+                </a:path>
+              </a:pathLst>
+            </a:custGeom>
+            <a:solidFill>
+              <a:srgbClr val="B2E69D"/>
+            </a:solidFill>
+          </p:spPr>
+        </p:sp>
+        <p:sp>
+          <p:nvSpPr>
+            <p:cNvPr id="13" name="TextBox 13"/>
+            <p:cNvSpPr txBox="1"/>
+            <p:nvPr/>
+          </p:nvSpPr>
+          <p:spPr>
+            <a:xfrm>
+              <a:off x="0" y="-38100"/>
+              <a:ext cx="5260714" cy="528318"/>
+            </a:xfrm>
+            <a:prstGeom prst="rect">
+              <a:avLst/>
+            </a:prstGeom>
+          </p:spPr>
+          <p:txBody>
+            <a:bodyPr lIns="50800" tIns="50800" rIns="50800" bIns="50800" rtlCol="0" anchor="ctr"/>
+            <a:lstStyle/>
+            <a:p>
+              <a:pPr algn="ctr">
+                <a:lnSpc>
+                  <a:spcPts val="2659"/>
+                </a:lnSpc>
+                <a:spcBef>
+                  <a:spcPct val="0"/>
+                </a:spcBef>
+              </a:pPr>
+              <a:endParaRPr/>
+            </a:p>
+          </p:txBody>
+        </p:sp>
+      </p:grpSp>
       <p:grpSp>
         <p:nvGrpSpPr>
           <p:cNvPr id="14" name="Group 14"/>
@@ -11212,7 +13397,7 @@
 </p:sld>
 </file>
 
-<file path=ppt/slides/slide6.xml><?xml version="1.0" encoding="utf-8"?>
+<file path=ppt/slides/slide7.xml><?xml version="1.0" encoding="utf-8"?>
 <p:sld xmlns:a="http://schemas.openxmlformats.org/drawingml/2006/main" xmlns:r="http://schemas.openxmlformats.org/officeDocument/2006/relationships" xmlns:p="http://schemas.openxmlformats.org/presentationml/2006/main">
   <p:cSld>
     <p:spTree>
@@ -12163,7 +14348,7 @@
 </p:sld>
 </file>
 
-<file path=ppt/slides/slide7.xml><?xml version="1.0" encoding="utf-8"?>
+<file path=ppt/slides/slide8.xml><?xml version="1.0" encoding="utf-8"?>
 <p:sld xmlns:a="http://schemas.openxmlformats.org/drawingml/2006/main" xmlns:r="http://schemas.openxmlformats.org/officeDocument/2006/relationships" xmlns:p="http://schemas.openxmlformats.org/presentationml/2006/main">
   <p:cSld>
     <p:spTree>
@@ -13096,7 +15281,7 @@
 </p:sld>
 </file>
 
-<file path=ppt/slides/slide8.xml><?xml version="1.0" encoding="utf-8"?>
+<file path=ppt/slides/slide9.xml><?xml version="1.0" encoding="utf-8"?>
 <p:sld xmlns:a="http://schemas.openxmlformats.org/drawingml/2006/main" xmlns:r="http://schemas.openxmlformats.org/officeDocument/2006/relationships" xmlns:p="http://schemas.openxmlformats.org/presentationml/2006/main">
   <p:cSld>
     <p:spTree>
@@ -14385,582 +16570,6 @@
           </a:p>
         </p:txBody>
       </p:sp>
-    </p:spTree>
-  </p:cSld>
-  <p:clrMapOvr>
-    <a:masterClrMapping/>
-  </p:clrMapOvr>
-</p:sld>
-</file>
-
-<file path=ppt/slides/slide9.xml><?xml version="1.0" encoding="utf-8"?>
-<p:sld xmlns:a="http://schemas.openxmlformats.org/drawingml/2006/main" xmlns:r="http://schemas.openxmlformats.org/officeDocument/2006/relationships" xmlns:p="http://schemas.openxmlformats.org/presentationml/2006/main">
-  <p:cSld>
-    <p:spTree>
-      <p:nvGrpSpPr>
-        <p:cNvPr id="1" name=""/>
-        <p:cNvGrpSpPr/>
-        <p:nvPr/>
-      </p:nvGrpSpPr>
-      <p:grpSpPr>
-        <a:xfrm>
-          <a:off x="0" y="0"/>
-          <a:ext cx="0" cy="0"/>
-          <a:chOff x="0" y="0"/>
-          <a:chExt cx="0" cy="0"/>
-        </a:xfrm>
-      </p:grpSpPr>
-      <p:grpSp>
-        <p:nvGrpSpPr>
-          <p:cNvPr id="2" name="Group 2"/>
-          <p:cNvGrpSpPr/>
-          <p:nvPr/>
-        </p:nvGrpSpPr>
-        <p:grpSpPr>
-          <a:xfrm>
-            <a:off x="-1109662" y="0"/>
-            <a:ext cx="20507325" cy="10287000"/>
-            <a:chOff x="0" y="0"/>
-            <a:chExt cx="27343100" cy="13716000"/>
-          </a:xfrm>
-        </p:grpSpPr>
-        <p:sp>
-          <p:nvSpPr>
-            <p:cNvPr id="3" name="Freeform 3"/>
-            <p:cNvSpPr/>
-            <p:nvPr/>
-          </p:nvSpPr>
-          <p:spPr>
-            <a:xfrm>
-              <a:off x="0" y="0"/>
-              <a:ext cx="13716000" cy="13716000"/>
-            </a:xfrm>
-            <a:custGeom>
-              <a:avLst/>
-              <a:gdLst/>
-              <a:ahLst/>
-              <a:cxnLst/>
-              <a:rect l="l" t="t" r="r" b="b"/>
-              <a:pathLst>
-                <a:path w="13716000" h="13716000">
-                  <a:moveTo>
-                    <a:pt x="0" y="0"/>
-                  </a:moveTo>
-                  <a:lnTo>
-                    <a:pt x="13716000" y="0"/>
-                  </a:lnTo>
-                  <a:lnTo>
-                    <a:pt x="13716000" y="13716000"/>
-                  </a:lnTo>
-                  <a:lnTo>
-                    <a:pt x="0" y="13716000"/>
-                  </a:lnTo>
-                  <a:lnTo>
-                    <a:pt x="0" y="0"/>
-                  </a:lnTo>
-                  <a:close/>
-                </a:path>
-              </a:pathLst>
-            </a:custGeom>
-            <a:blipFill>
-              <a:blip r:embed="rId2">
-                <a:alphaModFix amt="0"/>
-                <a:extLst>
-                  <a:ext uri="{96DAC541-7B7A-43D3-8B79-37D633B846F1}">
-                    <asvg:svgBlip xmlns:asvg="http://schemas.microsoft.com/office/drawing/2016/SVG/main" r:embed="rId3"/>
-                  </a:ext>
-                </a:extLst>
-              </a:blip>
-              <a:stretch>
-                <a:fillRect/>
-              </a:stretch>
-            </a:blipFill>
-          </p:spPr>
-        </p:sp>
-        <p:sp>
-          <p:nvSpPr>
-            <p:cNvPr id="4" name="Freeform 4"/>
-            <p:cNvSpPr/>
-            <p:nvPr/>
-          </p:nvSpPr>
-          <p:spPr>
-            <a:xfrm>
-              <a:off x="13627100" y="0"/>
-              <a:ext cx="13716000" cy="13716000"/>
-            </a:xfrm>
-            <a:custGeom>
-              <a:avLst/>
-              <a:gdLst/>
-              <a:ahLst/>
-              <a:cxnLst/>
-              <a:rect l="l" t="t" r="r" b="b"/>
-              <a:pathLst>
-                <a:path w="13716000" h="13716000">
-                  <a:moveTo>
-                    <a:pt x="0" y="0"/>
-                  </a:moveTo>
-                  <a:lnTo>
-                    <a:pt x="13716000" y="0"/>
-                  </a:lnTo>
-                  <a:lnTo>
-                    <a:pt x="13716000" y="13716000"/>
-                  </a:lnTo>
-                  <a:lnTo>
-                    <a:pt x="0" y="13716000"/>
-                  </a:lnTo>
-                  <a:lnTo>
-                    <a:pt x="0" y="0"/>
-                  </a:lnTo>
-                  <a:close/>
-                </a:path>
-              </a:pathLst>
-            </a:custGeom>
-            <a:blipFill>
-              <a:blip r:embed="rId2">
-                <a:alphaModFix amt="0"/>
-                <a:extLst>
-                  <a:ext uri="{96DAC541-7B7A-43D3-8B79-37D633B846F1}">
-                    <asvg:svgBlip xmlns:asvg="http://schemas.microsoft.com/office/drawing/2016/SVG/main" r:embed="rId3"/>
-                  </a:ext>
-                </a:extLst>
-              </a:blip>
-              <a:stretch>
-                <a:fillRect/>
-              </a:stretch>
-            </a:blipFill>
-          </p:spPr>
-        </p:sp>
-      </p:grpSp>
-      <p:grpSp>
-        <p:nvGrpSpPr>
-          <p:cNvPr id="5" name="Group 5"/>
-          <p:cNvGrpSpPr/>
-          <p:nvPr/>
-        </p:nvGrpSpPr>
-        <p:grpSpPr>
-          <a:xfrm>
-            <a:off x="5727381" y="687305"/>
-            <a:ext cx="6833238" cy="1730229"/>
-            <a:chOff x="0" y="0"/>
-            <a:chExt cx="1799700" cy="455698"/>
-          </a:xfrm>
-        </p:grpSpPr>
-        <p:sp>
-          <p:nvSpPr>
-            <p:cNvPr id="6" name="Freeform 6"/>
-            <p:cNvSpPr/>
-            <p:nvPr/>
-          </p:nvSpPr>
-          <p:spPr>
-            <a:xfrm>
-              <a:off x="0" y="0"/>
-              <a:ext cx="1799700" cy="455698"/>
-            </a:xfrm>
-            <a:custGeom>
-              <a:avLst/>
-              <a:gdLst/>
-              <a:ahLst/>
-              <a:cxnLst/>
-              <a:rect l="l" t="t" r="r" b="b"/>
-              <a:pathLst>
-                <a:path w="1799700" h="455698">
-                  <a:moveTo>
-                    <a:pt x="0" y="0"/>
-                  </a:moveTo>
-                  <a:lnTo>
-                    <a:pt x="1799700" y="0"/>
-                  </a:lnTo>
-                  <a:lnTo>
-                    <a:pt x="1799700" y="455698"/>
-                  </a:lnTo>
-                  <a:lnTo>
-                    <a:pt x="0" y="455698"/>
-                  </a:lnTo>
-                  <a:close/>
-                </a:path>
-              </a:pathLst>
-            </a:custGeom>
-            <a:solidFill>
-              <a:srgbClr val="FFFFFF"/>
-            </a:solidFill>
-            <a:ln w="38100" cap="sq">
-              <a:solidFill>
-                <a:srgbClr val="FFFFFF"/>
-              </a:solidFill>
-              <a:prstDash val="solid"/>
-              <a:miter/>
-            </a:ln>
-          </p:spPr>
-        </p:sp>
-        <p:sp>
-          <p:nvSpPr>
-            <p:cNvPr id="7" name="TextBox 7"/>
-            <p:cNvSpPr txBox="1"/>
-            <p:nvPr/>
-          </p:nvSpPr>
-          <p:spPr>
-            <a:xfrm>
-              <a:off x="0" y="-38100"/>
-              <a:ext cx="1799700" cy="493798"/>
-            </a:xfrm>
-            <a:prstGeom prst="rect">
-              <a:avLst/>
-            </a:prstGeom>
-          </p:spPr>
-          <p:txBody>
-            <a:bodyPr lIns="50800" tIns="50800" rIns="50800" bIns="50800" rtlCol="0" anchor="ctr"/>
-            <a:lstStyle/>
-            <a:p>
-              <a:pPr algn="ctr">
-                <a:lnSpc>
-                  <a:spcPts val="2659"/>
-                </a:lnSpc>
-                <a:spcBef>
-                  <a:spcPct val="0"/>
-                </a:spcBef>
-              </a:pPr>
-              <a:endParaRPr/>
-            </a:p>
-          </p:txBody>
-        </p:sp>
-      </p:grpSp>
-      <p:grpSp>
-        <p:nvGrpSpPr>
-          <p:cNvPr id="8" name="Group 8"/>
-          <p:cNvGrpSpPr/>
-          <p:nvPr/>
-        </p:nvGrpSpPr>
-        <p:grpSpPr>
-          <a:xfrm>
-            <a:off x="-576611" y="8801100"/>
-            <a:ext cx="19974273" cy="1861295"/>
-            <a:chOff x="0" y="0"/>
-            <a:chExt cx="5260714" cy="490218"/>
-          </a:xfrm>
-        </p:grpSpPr>
-        <p:sp>
-          <p:nvSpPr>
-            <p:cNvPr id="9" name="Freeform 9"/>
-            <p:cNvSpPr/>
-            <p:nvPr/>
-          </p:nvSpPr>
-          <p:spPr>
-            <a:xfrm>
-              <a:off x="0" y="0"/>
-              <a:ext cx="5260714" cy="490218"/>
-            </a:xfrm>
-            <a:custGeom>
-              <a:avLst/>
-              <a:gdLst/>
-              <a:ahLst/>
-              <a:cxnLst/>
-              <a:rect l="l" t="t" r="r" b="b"/>
-              <a:pathLst>
-                <a:path w="5260714" h="490218">
-                  <a:moveTo>
-                    <a:pt x="0" y="0"/>
-                  </a:moveTo>
-                  <a:lnTo>
-                    <a:pt x="5260714" y="0"/>
-                  </a:lnTo>
-                  <a:lnTo>
-                    <a:pt x="5260714" y="490218"/>
-                  </a:lnTo>
-                  <a:lnTo>
-                    <a:pt x="0" y="490218"/>
-                  </a:lnTo>
-                  <a:close/>
-                </a:path>
-              </a:pathLst>
-            </a:custGeom>
-            <a:solidFill>
-              <a:srgbClr val="B2E69D"/>
-            </a:solidFill>
-          </p:spPr>
-        </p:sp>
-        <p:sp>
-          <p:nvSpPr>
-            <p:cNvPr id="10" name="TextBox 10"/>
-            <p:cNvSpPr txBox="1"/>
-            <p:nvPr/>
-          </p:nvSpPr>
-          <p:spPr>
-            <a:xfrm>
-              <a:off x="0" y="-38100"/>
-              <a:ext cx="5260714" cy="528318"/>
-            </a:xfrm>
-            <a:prstGeom prst="rect">
-              <a:avLst/>
-            </a:prstGeom>
-          </p:spPr>
-          <p:txBody>
-            <a:bodyPr lIns="50800" tIns="50800" rIns="50800" bIns="50800" rtlCol="0" anchor="ctr"/>
-            <a:lstStyle/>
-            <a:p>
-              <a:pPr algn="ctr">
-                <a:lnSpc>
-                  <a:spcPts val="2659"/>
-                </a:lnSpc>
-                <a:spcBef>
-                  <a:spcPct val="0"/>
-                </a:spcBef>
-              </a:pPr>
-              <a:endParaRPr/>
-            </a:p>
-          </p:txBody>
-        </p:sp>
-      </p:grpSp>
-      <p:sp>
-        <p:nvSpPr>
-          <p:cNvPr id="11" name="TextBox 11"/>
-          <p:cNvSpPr txBox="1"/>
-          <p:nvPr/>
-        </p:nvSpPr>
-        <p:spPr>
-          <a:xfrm>
-            <a:off x="5910979" y="904875"/>
-            <a:ext cx="6466041" cy="1125781"/>
-          </a:xfrm>
-          <a:prstGeom prst="rect">
-            <a:avLst/>
-          </a:prstGeom>
-        </p:spPr>
-        <p:txBody>
-          <a:bodyPr lIns="0" tIns="0" rIns="0" bIns="0" rtlCol="0" anchor="t">
-            <a:spAutoFit/>
-          </a:bodyPr>
-          <a:lstStyle/>
-          <a:p>
-            <a:pPr algn="ctr">
-              <a:lnSpc>
-                <a:spcPts val="9250"/>
-              </a:lnSpc>
-            </a:pPr>
-            <a:r>
-              <a:rPr lang="en-US" sz="6607">
-                <a:solidFill>
-                  <a:srgbClr val="000000"/>
-                </a:solidFill>
-                <a:latin typeface="Fredoka"/>
-                <a:ea typeface="Fredoka"/>
-                <a:cs typeface="Fredoka"/>
-                <a:sym typeface="Fredoka"/>
-              </a:rPr>
-              <a:t>RESULT </a:t>
-            </a:r>
-          </a:p>
-        </p:txBody>
-      </p:sp>
-      <p:sp>
-        <p:nvSpPr>
-          <p:cNvPr id="12" name="TextBox 12"/>
-          <p:cNvSpPr txBox="1"/>
-          <p:nvPr/>
-        </p:nvSpPr>
-        <p:spPr>
-          <a:xfrm>
-            <a:off x="1028700" y="3300167"/>
-            <a:ext cx="7998308" cy="3683000"/>
-          </a:xfrm>
-          <a:prstGeom prst="rect">
-            <a:avLst/>
-          </a:prstGeom>
-        </p:spPr>
-        <p:txBody>
-          <a:bodyPr lIns="0" tIns="0" rIns="0" bIns="0" rtlCol="0" anchor="t">
-            <a:spAutoFit/>
-          </a:bodyPr>
-          <a:lstStyle/>
-          <a:p>
-            <a:pPr algn="l">
-              <a:lnSpc>
-                <a:spcPts val="4899"/>
-              </a:lnSpc>
-            </a:pPr>
-            <a:r>
-              <a:rPr lang="en-US" sz="3499">
-                <a:solidFill>
-                  <a:srgbClr val="000000"/>
-                </a:solidFill>
-                <a:latin typeface="Nunito Bold"/>
-                <a:ea typeface="Nunito Bold"/>
-                <a:cs typeface="Nunito Bold"/>
-                <a:sym typeface="Nunito Bold"/>
-              </a:rPr>
-              <a:t>Lorem ipsum dolor sit amet, consectetur adipiscing elit. Morbi vitae mauris ut nunc feugiat tincidunt ac et purus. Suspendisse et cursus dui. Vivamus lacinia orci ut nibh luctus pulvinar.</a:t>
-            </a:r>
-          </a:p>
-        </p:txBody>
-      </p:sp>
-      <p:sp>
-        <p:nvSpPr>
-          <p:cNvPr id="13" name="TextBox 13"/>
-          <p:cNvSpPr txBox="1"/>
-          <p:nvPr/>
-        </p:nvSpPr>
-        <p:spPr>
-          <a:xfrm>
-            <a:off x="514350" y="9217398"/>
-            <a:ext cx="17259300" cy="514350"/>
-          </a:xfrm>
-          <a:prstGeom prst="rect">
-            <a:avLst/>
-          </a:prstGeom>
-        </p:spPr>
-        <p:txBody>
-          <a:bodyPr lIns="0" tIns="0" rIns="0" bIns="0" rtlCol="0" anchor="t">
-            <a:spAutoFit/>
-          </a:bodyPr>
-          <a:lstStyle/>
-          <a:p>
-            <a:pPr algn="ctr">
-              <a:lnSpc>
-                <a:spcPts val="4200"/>
-              </a:lnSpc>
-            </a:pPr>
-            <a:r>
-              <a:rPr lang="en-US" sz="3000">
-                <a:solidFill>
-                  <a:srgbClr val="000000"/>
-                </a:solidFill>
-                <a:latin typeface="Nunito"/>
-                <a:ea typeface="Nunito"/>
-                <a:cs typeface="Nunito"/>
-                <a:sym typeface="Nunito"/>
-              </a:rPr>
-              <a:t>Presentation by Alexander Aronowitz | Business Marketing | 2024 | Rimberio University </a:t>
-            </a:r>
-          </a:p>
-        </p:txBody>
-      </p:sp>
-      <p:sp>
-        <p:nvSpPr>
-          <p:cNvPr id="14" name="Freeform 14"/>
-          <p:cNvSpPr/>
-          <p:nvPr/>
-        </p:nvSpPr>
-        <p:spPr>
-          <a:xfrm>
-            <a:off x="-1109662" y="-911620"/>
-            <a:ext cx="2942276" cy="2942276"/>
-          </a:xfrm>
-          <a:custGeom>
-            <a:avLst/>
-            <a:gdLst/>
-            <a:ahLst/>
-            <a:cxnLst/>
-            <a:rect l="l" t="t" r="r" b="b"/>
-            <a:pathLst>
-              <a:path w="2942276" h="2942276">
-                <a:moveTo>
-                  <a:pt x="0" y="0"/>
-                </a:moveTo>
-                <a:lnTo>
-                  <a:pt x="2942276" y="0"/>
-                </a:lnTo>
-                <a:lnTo>
-                  <a:pt x="2942276" y="2942276"/>
-                </a:lnTo>
-                <a:lnTo>
-                  <a:pt x="0" y="2942276"/>
-                </a:lnTo>
-                <a:lnTo>
-                  <a:pt x="0" y="0"/>
-                </a:lnTo>
-                <a:close/>
-              </a:path>
-            </a:pathLst>
-          </a:custGeom>
-          <a:blipFill>
-            <a:blip r:embed="rId4">
-              <a:extLst>
-                <a:ext uri="{96DAC541-7B7A-43D3-8B79-37D633B846F1}">
-                  <asvg:svgBlip xmlns:asvg="http://schemas.microsoft.com/office/drawing/2016/SVG/main" r:embed="rId5"/>
-                </a:ext>
-              </a:extLst>
-            </a:blip>
-            <a:stretch>
-              <a:fillRect/>
-            </a:stretch>
-          </a:blipFill>
-        </p:spPr>
-      </p:sp>
-      <p:sp>
-        <p:nvSpPr>
-          <p:cNvPr id="15" name="Freeform 15"/>
-          <p:cNvSpPr/>
-          <p:nvPr/>
-        </p:nvSpPr>
-        <p:spPr>
-          <a:xfrm flipH="1">
-            <a:off x="15561698" y="480251"/>
-            <a:ext cx="3395204" cy="1049427"/>
-          </a:xfrm>
-          <a:custGeom>
-            <a:avLst/>
-            <a:gdLst/>
-            <a:ahLst/>
-            <a:cxnLst/>
-            <a:rect l="l" t="t" r="r" b="b"/>
-            <a:pathLst>
-              <a:path w="3395204" h="1049427">
-                <a:moveTo>
-                  <a:pt x="3395204" y="0"/>
-                </a:moveTo>
-                <a:lnTo>
-                  <a:pt x="0" y="0"/>
-                </a:lnTo>
-                <a:lnTo>
-                  <a:pt x="0" y="1049427"/>
-                </a:lnTo>
-                <a:lnTo>
-                  <a:pt x="3395204" y="1049427"/>
-                </a:lnTo>
-                <a:lnTo>
-                  <a:pt x="3395204" y="0"/>
-                </a:lnTo>
-                <a:close/>
-              </a:path>
-            </a:pathLst>
-          </a:custGeom>
-          <a:blipFill>
-            <a:blip r:embed="rId6">
-              <a:extLst>
-                <a:ext uri="{96DAC541-7B7A-43D3-8B79-37D633B846F1}">
-                  <asvg:svgBlip xmlns:asvg="http://schemas.microsoft.com/office/drawing/2016/SVG/main" r:embed="rId7"/>
-                </a:ext>
-              </a:extLst>
-            </a:blip>
-            <a:stretch>
-              <a:fillRect/>
-            </a:stretch>
-          </a:blipFill>
-        </p:spPr>
-      </p:sp>
-      <p:pic>
-        <p:nvPicPr>
-          <p:cNvPr id="16" name="Picture 16"/>
-          <p:cNvPicPr>
-            <a:picLocks noChangeAspect="1"/>
-          </p:cNvPicPr>
-          <p:nvPr/>
-        </p:nvPicPr>
-        <p:blipFill>
-          <a:blip r:embed="rId8"/>
-          <a:stretch>
-            <a:fillRect/>
-          </a:stretch>
-        </p:blipFill>
-        <p:spPr>
-          <a:xfrm>
-            <a:off x="10996855" y="2607420"/>
-            <a:ext cx="6102047" cy="5929423"/>
-          </a:xfrm>
-          <a:prstGeom prst="rect">
-            <a:avLst/>
-          </a:prstGeom>
-        </p:spPr>
-      </p:pic>
     </p:spTree>
   </p:cSld>
   <p:clrMapOvr>
